--- a/3.VersionControl/VersionControl.pptx
+++ b/3.VersionControl/VersionControl.pptx
@@ -24731,7 +24731,7 @@
 </file>
 
 <file path=ppt/slides/slide6.xml><?xml version="1.0" encoding="utf-8"?>
-<p:sld xmlns:a="http://schemas.openxmlformats.org/drawingml/2006/main" xmlns:r="http://schemas.openxmlformats.org/officeDocument/2006/relationships" xmlns:p="http://schemas.openxmlformats.org/presentationml/2006/main" show="0">
+<p:sld xmlns:a="http://schemas.openxmlformats.org/drawingml/2006/main" xmlns:r="http://schemas.openxmlformats.org/officeDocument/2006/relationships" xmlns:p="http://schemas.openxmlformats.org/presentationml/2006/main">
   <p:cSld>
     <p:spTree>
       <p:nvGrpSpPr>

--- a/3.VersionControl/VersionControl.pptx
+++ b/3.VersionControl/VersionControl.pptx
@@ -17,11 +17,11 @@
     <p:sldId id="274" r:id="rId8"/>
     <p:sldId id="276" r:id="rId9"/>
     <p:sldId id="277" r:id="rId10"/>
-    <p:sldId id="282" r:id="rId11"/>
-    <p:sldId id="283" r:id="rId12"/>
-    <p:sldId id="281" r:id="rId13"/>
-    <p:sldId id="284" r:id="rId14"/>
-    <p:sldId id="285" r:id="rId15"/>
+    <p:sldId id="286" r:id="rId11"/>
+    <p:sldId id="282" r:id="rId12"/>
+    <p:sldId id="283" r:id="rId13"/>
+    <p:sldId id="281" r:id="rId14"/>
+    <p:sldId id="284" r:id="rId15"/>
   </p:sldIdLst>
   <p:sldSz cx="9144000" cy="6858000" type="screen4x3"/>
   <p:notesSz cx="6858000" cy="9144000"/>
@@ -1492,7 +1492,7 @@
   <p:cSld>
     <p:spTree>
       <p:nvGrpSpPr>
-        <p:cNvPr id="1" name="Shape 164"/>
+        <p:cNvPr id="1" name="Shape 152"/>
         <p:cNvGrpSpPr/>
         <p:nvPr/>
       </p:nvGrpSpPr>
@@ -1506,7 +1506,7 @@
       </p:grpSpPr>
       <p:sp>
         <p:nvSpPr>
-          <p:cNvPr id="165" name="Shape 165"/>
+          <p:cNvPr id="153" name="Shape 153"/>
           <p:cNvSpPr>
             <a:spLocks noGrp="1" noRot="1" noChangeAspect="1"/>
           </p:cNvSpPr>
@@ -1557,7 +1557,7 @@
       </p:sp>
       <p:sp>
         <p:nvSpPr>
-          <p:cNvPr id="166" name="Shape 166"/>
+          <p:cNvPr id="154" name="Shape 154"/>
           <p:cNvSpPr txBox="1">
             <a:spLocks noGrp="1"/>
           </p:cNvSpPr>
@@ -1607,7 +1607,7 @@
       </p:sp>
       <p:sp>
         <p:nvSpPr>
-          <p:cNvPr id="167" name="Shape 167"/>
+          <p:cNvPr id="155" name="Shape 155"/>
           <p:cNvSpPr txBox="1">
             <a:spLocks noGrp="1"/>
           </p:cNvSpPr>
@@ -1670,7 +1670,7 @@
     </p:spTree>
     <p:extLst>
       <p:ext uri="{BB962C8B-B14F-4D97-AF65-F5344CB8AC3E}">
-        <p14:creationId xmlns:p14="http://schemas.microsoft.com/office/powerpoint/2010/main" val="764599718"/>
+        <p14:creationId xmlns:p14="http://schemas.microsoft.com/office/powerpoint/2010/main" val="2529762793"/>
       </p:ext>
     </p:extLst>
   </p:cSld>
@@ -1863,7 +1863,7 @@
     </p:spTree>
     <p:extLst>
       <p:ext uri="{BB962C8B-B14F-4D97-AF65-F5344CB8AC3E}">
-        <p14:creationId xmlns:p14="http://schemas.microsoft.com/office/powerpoint/2010/main" val="3543491121"/>
+        <p14:creationId xmlns:p14="http://schemas.microsoft.com/office/powerpoint/2010/main" val="764599718"/>
       </p:ext>
     </p:extLst>
   </p:cSld>
@@ -2054,6 +2054,11 @@
         </p:txBody>
       </p:sp>
     </p:spTree>
+    <p:extLst>
+      <p:ext uri="{BB962C8B-B14F-4D97-AF65-F5344CB8AC3E}">
+        <p14:creationId xmlns:p14="http://schemas.microsoft.com/office/powerpoint/2010/main" val="3543491121"/>
+      </p:ext>
+    </p:extLst>
   </p:cSld>
   <p:clrMapOvr>
     <a:masterClrMapping/>
@@ -2242,11 +2247,6 @@
         </p:txBody>
       </p:sp>
     </p:spTree>
-    <p:extLst>
-      <p:ext uri="{BB962C8B-B14F-4D97-AF65-F5344CB8AC3E}">
-        <p14:creationId xmlns:p14="http://schemas.microsoft.com/office/powerpoint/2010/main" val="3845318937"/>
-      </p:ext>
-    </p:extLst>
   </p:cSld>
   <p:clrMapOvr>
     <a:masterClrMapping/>
@@ -2437,7 +2437,7 @@
     </p:spTree>
     <p:extLst>
       <p:ext uri="{BB962C8B-B14F-4D97-AF65-F5344CB8AC3E}">
-        <p14:creationId xmlns:p14="http://schemas.microsoft.com/office/powerpoint/2010/main" val="3903500176"/>
+        <p14:creationId xmlns:p14="http://schemas.microsoft.com/office/powerpoint/2010/main" val="3845318937"/>
       </p:ext>
     </p:extLst>
   </p:cSld>
@@ -21122,6 +21122,871 @@
   <p:cSld>
     <p:spTree>
       <p:nvGrpSpPr>
+        <p:cNvPr id="1" name="Shape 156"/>
+        <p:cNvGrpSpPr/>
+        <p:nvPr/>
+      </p:nvGrpSpPr>
+      <p:grpSpPr>
+        <a:xfrm>
+          <a:off x="0" y="0"/>
+          <a:ext cx="0" cy="0"/>
+          <a:chOff x="0" y="0"/>
+          <a:chExt cx="0" cy="0"/>
+        </a:xfrm>
+      </p:grpSpPr>
+      <p:sp>
+        <p:nvSpPr>
+          <p:cNvPr id="158" name="Shape 158"/>
+          <p:cNvSpPr txBox="1">
+            <a:spLocks noGrp="1"/>
+          </p:cNvSpPr>
+          <p:nvPr>
+            <p:ph type="title"/>
+          </p:nvPr>
+        </p:nvSpPr>
+        <p:spPr>
+          <a:xfrm>
+            <a:off x="353700" y="1493126"/>
+            <a:ext cx="8470260" cy="1143000"/>
+          </a:xfrm>
+          <a:prstGeom prst="rect">
+            <a:avLst/>
+          </a:prstGeom>
+          <a:noFill/>
+          <a:ln>
+            <a:noFill/>
+          </a:ln>
+        </p:spPr>
+        <p:txBody>
+          <a:bodyPr spcFirstLastPara="1" wrap="square" lIns="91425" tIns="45700" rIns="91425" bIns="45700" anchor="ctr" anchorCtr="0">
+            <a:noAutofit/>
+          </a:bodyPr>
+          <a:lstStyle/>
+          <a:p>
+            <a:pPr lvl="0" algn="l"/>
+            <a:r>
+              <a:rPr lang="ru-RU" sz="3600" b="1" i="0" u="none" strike="noStrike" cap="none" dirty="0">
+                <a:solidFill>
+                  <a:srgbClr val="262626"/>
+                </a:solidFill>
+                <a:latin typeface="Roboto"/>
+                <a:ea typeface="Roboto"/>
+                <a:cs typeface="Roboto"/>
+                <a:sym typeface="Roboto"/>
+              </a:rPr>
+              <a:t>Ос</a:t>
+            </a:r>
+            <a:r>
+              <a:rPr lang="ru-RU" sz="3600" b="1" dirty="0">
+                <a:solidFill>
+                  <a:srgbClr val="262626"/>
+                </a:solidFill>
+                <a:latin typeface="Roboto"/>
+                <a:ea typeface="Roboto"/>
+                <a:cs typeface="Roboto"/>
+                <a:sym typeface="Roboto"/>
+              </a:rPr>
+              <a:t>новные комманды </a:t>
+            </a:r>
+            <a:r>
+              <a:rPr lang="en-US" sz="3600" b="1" dirty="0">
+                <a:solidFill>
+                  <a:srgbClr val="262626"/>
+                </a:solidFill>
+                <a:latin typeface="Roboto"/>
+                <a:ea typeface="Roboto"/>
+                <a:cs typeface="Roboto"/>
+                <a:sym typeface="Roboto"/>
+              </a:rPr>
+              <a:t>Git</a:t>
+            </a:r>
+            <a:endParaRPr sz="3600" b="1" i="0" u="none" strike="noStrike" cap="none" dirty="0">
+              <a:solidFill>
+                <a:srgbClr val="262626"/>
+              </a:solidFill>
+              <a:latin typeface="Roboto"/>
+              <a:ea typeface="Roboto"/>
+              <a:cs typeface="Roboto"/>
+              <a:sym typeface="Roboto"/>
+            </a:endParaRPr>
+          </a:p>
+        </p:txBody>
+      </p:sp>
+      <p:sp>
+        <p:nvSpPr>
+          <p:cNvPr id="159" name="Shape 159"/>
+          <p:cNvSpPr/>
+          <p:nvPr/>
+        </p:nvSpPr>
+        <p:spPr>
+          <a:xfrm>
+            <a:off x="7145316" y="408237"/>
+            <a:ext cx="1856100" cy="290400"/>
+          </a:xfrm>
+          <a:prstGeom prst="roundRect">
+            <a:avLst>
+              <a:gd name="adj" fmla="val 0"/>
+            </a:avLst>
+          </a:prstGeom>
+          <a:noFill/>
+          <a:ln>
+            <a:noFill/>
+          </a:ln>
+        </p:spPr>
+        <p:txBody>
+          <a:bodyPr spcFirstLastPara="1" wrap="square" lIns="91425" tIns="45700" rIns="91425" bIns="45700" anchor="ctr" anchorCtr="0">
+            <a:noAutofit/>
+          </a:bodyPr>
+          <a:lstStyle/>
+          <a:p>
+            <a:pPr marL="0" marR="0" lvl="0" indent="0" algn="ctr" rtl="0">
+              <a:spcBef>
+                <a:spcPts val="0"/>
+              </a:spcBef>
+              <a:spcAft>
+                <a:spcPts val="0"/>
+              </a:spcAft>
+              <a:buClr>
+                <a:schemeClr val="lt1"/>
+              </a:buClr>
+              <a:buSzPts val="1200"/>
+              <a:buFont typeface="Arial"/>
+              <a:buNone/>
+            </a:pPr>
+            <a:r>
+              <a:rPr lang="en-US" sz="1500" b="1" i="0" strike="noStrike" cap="none">
+                <a:solidFill>
+                  <a:srgbClr val="262626"/>
+                </a:solidFill>
+                <a:latin typeface="Roboto"/>
+                <a:ea typeface="Roboto"/>
+                <a:cs typeface="Roboto"/>
+                <a:sym typeface="Roboto"/>
+              </a:rPr>
+              <a:t>www.itea.ua</a:t>
+            </a:r>
+            <a:endParaRPr sz="1500" b="1" i="0" strike="noStrike" cap="none">
+              <a:solidFill>
+                <a:srgbClr val="262626"/>
+              </a:solidFill>
+              <a:latin typeface="Roboto"/>
+              <a:ea typeface="Roboto"/>
+              <a:cs typeface="Roboto"/>
+              <a:sym typeface="Roboto"/>
+            </a:endParaRPr>
+          </a:p>
+        </p:txBody>
+      </p:sp>
+      <p:sp>
+        <p:nvSpPr>
+          <p:cNvPr id="160" name="Shape 160"/>
+          <p:cNvSpPr/>
+          <p:nvPr/>
+        </p:nvSpPr>
+        <p:spPr>
+          <a:xfrm rot="10800000" flipH="1">
+            <a:off x="0" y="1127850"/>
+            <a:ext cx="3143100" cy="42300"/>
+          </a:xfrm>
+          <a:prstGeom prst="rect">
+            <a:avLst/>
+          </a:prstGeom>
+          <a:solidFill>
+            <a:srgbClr val="CC0000"/>
+          </a:solidFill>
+          <a:ln>
+            <a:noFill/>
+          </a:ln>
+        </p:spPr>
+        <p:txBody>
+          <a:bodyPr spcFirstLastPara="1" wrap="square" lIns="91425" tIns="91425" rIns="91425" bIns="91425" anchor="ctr" anchorCtr="0">
+            <a:noAutofit/>
+          </a:bodyPr>
+          <a:lstStyle/>
+          <a:p>
+            <a:pPr marL="0" lvl="0" indent="0">
+              <a:spcBef>
+                <a:spcPts val="0"/>
+              </a:spcBef>
+              <a:spcAft>
+                <a:spcPts val="0"/>
+              </a:spcAft>
+              <a:buNone/>
+            </a:pPr>
+            <a:r>
+              <a:rPr lang="en-US"/>
+              <a:t>                                                                                     </a:t>
+            </a:r>
+            <a:endParaRPr/>
+          </a:p>
+        </p:txBody>
+      </p:sp>
+      <p:sp>
+        <p:nvSpPr>
+          <p:cNvPr id="161" name="Shape 161"/>
+          <p:cNvSpPr/>
+          <p:nvPr/>
+        </p:nvSpPr>
+        <p:spPr>
+          <a:xfrm rot="10800000" flipH="1">
+            <a:off x="3067050" y="1127850"/>
+            <a:ext cx="3143100" cy="42300"/>
+          </a:xfrm>
+          <a:prstGeom prst="rect">
+            <a:avLst/>
+          </a:prstGeom>
+          <a:solidFill>
+            <a:srgbClr val="262626"/>
+          </a:solidFill>
+          <a:ln>
+            <a:noFill/>
+          </a:ln>
+        </p:spPr>
+        <p:txBody>
+          <a:bodyPr spcFirstLastPara="1" wrap="square" lIns="91425" tIns="91425" rIns="91425" bIns="91425" anchor="ctr" anchorCtr="0">
+            <a:noAutofit/>
+          </a:bodyPr>
+          <a:lstStyle/>
+          <a:p>
+            <a:pPr marL="0" lvl="0" indent="0">
+              <a:spcBef>
+                <a:spcPts val="0"/>
+              </a:spcBef>
+              <a:spcAft>
+                <a:spcPts val="0"/>
+              </a:spcAft>
+              <a:buNone/>
+            </a:pPr>
+            <a:endParaRPr/>
+          </a:p>
+        </p:txBody>
+      </p:sp>
+      <p:pic>
+        <p:nvPicPr>
+          <p:cNvPr id="162" name="Shape 162"/>
+          <p:cNvPicPr preferRelativeResize="0"/>
+          <p:nvPr/>
+        </p:nvPicPr>
+        <p:blipFill>
+          <a:blip r:embed="rId3">
+            <a:alphaModFix/>
+          </a:blip>
+          <a:stretch>
+            <a:fillRect/>
+          </a:stretch>
+        </p:blipFill>
+        <p:spPr>
+          <a:xfrm>
+            <a:off x="353700" y="302000"/>
+            <a:ext cx="1741800" cy="502875"/>
+          </a:xfrm>
+          <a:prstGeom prst="rect">
+            <a:avLst/>
+          </a:prstGeom>
+          <a:noFill/>
+          <a:ln>
+            <a:noFill/>
+          </a:ln>
+        </p:spPr>
+      </p:pic>
+      <p:sp>
+        <p:nvSpPr>
+          <p:cNvPr id="163" name="Shape 163"/>
+          <p:cNvSpPr txBox="1"/>
+          <p:nvPr/>
+        </p:nvSpPr>
+        <p:spPr>
+          <a:xfrm>
+            <a:off x="498180" y="2486526"/>
+            <a:ext cx="8181300" cy="4069474"/>
+          </a:xfrm>
+          <a:prstGeom prst="rect">
+            <a:avLst/>
+          </a:prstGeom>
+          <a:noFill/>
+          <a:ln>
+            <a:noFill/>
+          </a:ln>
+        </p:spPr>
+        <p:txBody>
+          <a:bodyPr spcFirstLastPara="1" wrap="square" lIns="91425" tIns="45700" rIns="91425" bIns="45700" anchor="ctr" anchorCtr="0">
+            <a:noAutofit/>
+          </a:bodyPr>
+          <a:lstStyle/>
+          <a:p>
+            <a:pPr marL="0" marR="0" lvl="0" indent="-12700" algn="l" rtl="0">
+              <a:spcBef>
+                <a:spcPts val="0"/>
+              </a:spcBef>
+              <a:spcAft>
+                <a:spcPts val="1200"/>
+              </a:spcAft>
+              <a:buSzPts val="2000"/>
+              <a:buFont typeface="Noto Sans Symbols"/>
+              <a:buChar char="▪"/>
+            </a:pPr>
+            <a:r>
+              <a:rPr lang="ru-RU" sz="2000" b="0" i="0" u="none" strike="noStrike" cap="none" dirty="0">
+                <a:solidFill>
+                  <a:schemeClr val="tx1"/>
+                </a:solidFill>
+                <a:latin typeface="Calibri"/>
+                <a:ea typeface="Calibri"/>
+                <a:cs typeface="Calibri"/>
+                <a:sym typeface="Calibri"/>
+              </a:rPr>
+              <a:t> </a:t>
+            </a:r>
+            <a:r>
+              <a:rPr lang="en-US" sz="2000" b="1" i="0" u="none" strike="noStrike" cap="none" dirty="0">
+                <a:solidFill>
+                  <a:schemeClr val="tx1"/>
+                </a:solidFill>
+                <a:latin typeface="Roboto"/>
+                <a:ea typeface="Roboto"/>
+                <a:cs typeface="Calibri"/>
+                <a:sym typeface="Roboto"/>
+              </a:rPr>
+              <a:t>git </a:t>
+            </a:r>
+            <a:r>
+              <a:rPr lang="en-US" sz="2000" b="1" i="0" u="none" strike="noStrike" cap="none" dirty="0" err="1">
+                <a:solidFill>
+                  <a:schemeClr val="tx1"/>
+                </a:solidFill>
+                <a:latin typeface="Roboto"/>
+                <a:ea typeface="Roboto"/>
+                <a:cs typeface="Calibri"/>
+                <a:sym typeface="Roboto"/>
+              </a:rPr>
+              <a:t>init</a:t>
+            </a:r>
+            <a:r>
+              <a:rPr lang="en-US" sz="2000" b="1" i="0" u="none" strike="noStrike" cap="none" dirty="0">
+                <a:solidFill>
+                  <a:schemeClr val="tx1"/>
+                </a:solidFill>
+                <a:latin typeface="Roboto"/>
+                <a:ea typeface="Roboto"/>
+                <a:cs typeface="Calibri"/>
+                <a:sym typeface="Roboto"/>
+              </a:rPr>
+              <a:t> </a:t>
+            </a:r>
+            <a:r>
+              <a:rPr lang="en-US" sz="2000" b="0" i="0" u="none" strike="noStrike" cap="none" dirty="0">
+                <a:solidFill>
+                  <a:schemeClr val="tx1"/>
+                </a:solidFill>
+                <a:latin typeface="Roboto"/>
+                <a:ea typeface="Roboto"/>
+                <a:cs typeface="Calibri"/>
+                <a:sym typeface="Roboto"/>
+              </a:rPr>
+              <a:t>– </a:t>
+            </a:r>
+            <a:r>
+              <a:rPr lang="ru-RU" sz="2000" b="0" i="0" u="none" strike="noStrike" cap="none" dirty="0">
+                <a:solidFill>
+                  <a:schemeClr val="tx1"/>
+                </a:solidFill>
+                <a:latin typeface="Roboto"/>
+                <a:ea typeface="Roboto"/>
+                <a:cs typeface="Calibri"/>
+                <a:sym typeface="Roboto"/>
+              </a:rPr>
+              <a:t>создание репозитория</a:t>
+            </a:r>
+            <a:endParaRPr lang="en-US" sz="2000" b="0" i="0" u="none" strike="noStrike" cap="none" dirty="0">
+              <a:solidFill>
+                <a:schemeClr val="tx1"/>
+              </a:solidFill>
+              <a:latin typeface="Roboto"/>
+              <a:ea typeface="Roboto"/>
+              <a:cs typeface="Calibri"/>
+              <a:sym typeface="Roboto"/>
+            </a:endParaRPr>
+          </a:p>
+          <a:p>
+            <a:pPr marL="0" marR="0" lvl="0" indent="-12700" algn="l" rtl="0">
+              <a:spcBef>
+                <a:spcPts val="0"/>
+              </a:spcBef>
+              <a:spcAft>
+                <a:spcPts val="1200"/>
+              </a:spcAft>
+              <a:buSzPts val="2000"/>
+              <a:buFont typeface="Noto Sans Symbols"/>
+              <a:buChar char="▪"/>
+            </a:pPr>
+            <a:r>
+              <a:rPr lang="en-US" sz="2000" dirty="0">
+                <a:solidFill>
+                  <a:schemeClr val="tx1"/>
+                </a:solidFill>
+                <a:latin typeface="Roboto"/>
+                <a:ea typeface="Roboto"/>
+                <a:cs typeface="Calibri"/>
+                <a:sym typeface="Roboto"/>
+              </a:rPr>
+              <a:t> </a:t>
+            </a:r>
+            <a:r>
+              <a:rPr lang="en-US" sz="2000" b="1" dirty="0">
+                <a:solidFill>
+                  <a:schemeClr val="tx1"/>
+                </a:solidFill>
+                <a:latin typeface="Roboto"/>
+                <a:ea typeface="Roboto"/>
+                <a:cs typeface="Calibri"/>
+                <a:sym typeface="Roboto"/>
+              </a:rPr>
+              <a:t>git clone </a:t>
+            </a:r>
+            <a:r>
+              <a:rPr lang="en-US" sz="2000" dirty="0">
+                <a:solidFill>
+                  <a:schemeClr val="tx1"/>
+                </a:solidFill>
+                <a:latin typeface="Roboto"/>
+                <a:ea typeface="Roboto"/>
+                <a:cs typeface="Calibri"/>
+                <a:sym typeface="Roboto"/>
+              </a:rPr>
+              <a:t>- </a:t>
+            </a:r>
+            <a:r>
+              <a:rPr lang="ru-RU" sz="2000" dirty="0">
+                <a:solidFill>
+                  <a:schemeClr val="tx1"/>
+                </a:solidFill>
+                <a:latin typeface="Roboto"/>
+                <a:ea typeface="Roboto"/>
+                <a:cs typeface="Calibri"/>
+                <a:sym typeface="Roboto"/>
+              </a:rPr>
+              <a:t>создать кокальную копию удаленного репозитория</a:t>
+            </a:r>
+            <a:endParaRPr lang="ru-RU" sz="2000" b="0" i="0" u="none" strike="noStrike" cap="none" dirty="0">
+              <a:solidFill>
+                <a:schemeClr val="tx1"/>
+              </a:solidFill>
+              <a:latin typeface="Roboto"/>
+              <a:ea typeface="Roboto"/>
+              <a:cs typeface="Calibri"/>
+              <a:sym typeface="Roboto"/>
+            </a:endParaRPr>
+          </a:p>
+          <a:p>
+            <a:pPr marL="0" marR="0" lvl="0" indent="-12700" algn="l" rtl="0">
+              <a:spcBef>
+                <a:spcPts val="0"/>
+              </a:spcBef>
+              <a:spcAft>
+                <a:spcPts val="1200"/>
+              </a:spcAft>
+              <a:buSzPts val="2000"/>
+              <a:buFont typeface="Noto Sans Symbols"/>
+              <a:buChar char="▪"/>
+            </a:pPr>
+            <a:r>
+              <a:rPr lang="ru-RU" sz="2000" dirty="0">
+                <a:solidFill>
+                  <a:schemeClr val="tx1"/>
+                </a:solidFill>
+                <a:latin typeface="Roboto"/>
+                <a:ea typeface="Roboto"/>
+                <a:cs typeface="Calibri"/>
+                <a:sym typeface="Roboto"/>
+              </a:rPr>
+              <a:t> </a:t>
+            </a:r>
+            <a:r>
+              <a:rPr lang="en-US" sz="2000" b="1" dirty="0">
+                <a:solidFill>
+                  <a:schemeClr val="tx1"/>
+                </a:solidFill>
+                <a:latin typeface="Roboto"/>
+                <a:ea typeface="Roboto"/>
+                <a:cs typeface="Calibri"/>
+                <a:sym typeface="Roboto"/>
+              </a:rPr>
+              <a:t>git add </a:t>
+            </a:r>
+            <a:r>
+              <a:rPr lang="ru-RU" sz="2000" dirty="0">
+                <a:solidFill>
+                  <a:schemeClr val="tx1"/>
+                </a:solidFill>
+                <a:latin typeface="Roboto"/>
+                <a:ea typeface="Roboto"/>
+                <a:cs typeface="Calibri"/>
+                <a:sym typeface="Roboto"/>
+              </a:rPr>
+              <a:t>– добавление файлов в контроль версий</a:t>
+            </a:r>
+          </a:p>
+          <a:p>
+            <a:pPr marL="0" marR="0" lvl="0" indent="-12700" algn="l" rtl="0">
+              <a:spcBef>
+                <a:spcPts val="0"/>
+              </a:spcBef>
+              <a:spcAft>
+                <a:spcPts val="1200"/>
+              </a:spcAft>
+              <a:buSzPts val="2000"/>
+              <a:buFont typeface="Noto Sans Symbols"/>
+              <a:buChar char="▪"/>
+            </a:pPr>
+            <a:r>
+              <a:rPr lang="ru-RU" sz="2000" b="0" i="0" u="none" strike="noStrike" cap="none" dirty="0">
+                <a:solidFill>
+                  <a:schemeClr val="tx1"/>
+                </a:solidFill>
+                <a:latin typeface="Roboto"/>
+                <a:ea typeface="Roboto"/>
+                <a:cs typeface="Calibri"/>
+                <a:sym typeface="Roboto"/>
+              </a:rPr>
+              <a:t> </a:t>
+            </a:r>
+            <a:r>
+              <a:rPr lang="en-US" sz="2000" b="1" i="0" u="none" strike="noStrike" cap="none" dirty="0">
+                <a:solidFill>
+                  <a:schemeClr val="tx1"/>
+                </a:solidFill>
+                <a:latin typeface="Roboto"/>
+                <a:ea typeface="Roboto"/>
+                <a:cs typeface="Calibri"/>
+                <a:sym typeface="Roboto"/>
+              </a:rPr>
+              <a:t>git commit </a:t>
+            </a:r>
+            <a:r>
+              <a:rPr lang="en-US" sz="2000" b="0" i="0" u="none" strike="noStrike" cap="none" dirty="0">
+                <a:solidFill>
+                  <a:schemeClr val="tx1"/>
+                </a:solidFill>
+                <a:latin typeface="Roboto"/>
+                <a:ea typeface="Roboto"/>
+                <a:cs typeface="Calibri"/>
+                <a:sym typeface="Roboto"/>
+              </a:rPr>
+              <a:t>– </a:t>
+            </a:r>
+            <a:r>
+              <a:rPr lang="ru-RU" sz="2000" b="0" i="0" u="none" strike="noStrike" cap="none" dirty="0">
+                <a:solidFill>
+                  <a:schemeClr val="tx1"/>
+                </a:solidFill>
+                <a:latin typeface="Roboto"/>
+                <a:ea typeface="Roboto"/>
+                <a:cs typeface="Calibri"/>
+                <a:sym typeface="Roboto"/>
+              </a:rPr>
+              <a:t>создание комита</a:t>
+            </a:r>
+            <a:r>
+              <a:rPr lang="en-US" sz="2000" b="0" i="0" u="none" strike="noStrike" cap="none" dirty="0">
+                <a:solidFill>
+                  <a:schemeClr val="tx1"/>
+                </a:solidFill>
+                <a:latin typeface="Roboto"/>
+                <a:ea typeface="Roboto"/>
+                <a:cs typeface="Calibri"/>
+                <a:sym typeface="Roboto"/>
+              </a:rPr>
+              <a:t> (</a:t>
+            </a:r>
+            <a:r>
+              <a:rPr lang="ru-RU" sz="2000" b="0" i="0" u="none" strike="noStrike" cap="none" dirty="0">
+                <a:solidFill>
+                  <a:schemeClr val="tx1"/>
+                </a:solidFill>
+                <a:latin typeface="Roboto"/>
+                <a:ea typeface="Roboto"/>
+                <a:cs typeface="Calibri"/>
+                <a:sym typeface="Roboto"/>
+              </a:rPr>
+              <a:t>слепка репозитория в данный момент времени)</a:t>
+            </a:r>
+            <a:endParaRPr lang="en-US" sz="2000" b="0" i="0" u="none" strike="noStrike" cap="none" dirty="0">
+              <a:solidFill>
+                <a:schemeClr val="tx1"/>
+              </a:solidFill>
+              <a:latin typeface="Roboto"/>
+              <a:ea typeface="Roboto"/>
+              <a:cs typeface="Calibri"/>
+              <a:sym typeface="Roboto"/>
+            </a:endParaRPr>
+          </a:p>
+          <a:p>
+            <a:pPr marL="0" marR="0" lvl="0" indent="-12700" algn="l" rtl="0">
+              <a:spcBef>
+                <a:spcPts val="0"/>
+              </a:spcBef>
+              <a:spcAft>
+                <a:spcPts val="1200"/>
+              </a:spcAft>
+              <a:buSzPts val="2000"/>
+              <a:buFont typeface="Noto Sans Symbols"/>
+              <a:buChar char="▪"/>
+            </a:pPr>
+            <a:r>
+              <a:rPr lang="en-US" sz="2000" dirty="0">
+                <a:solidFill>
+                  <a:schemeClr val="tx1"/>
+                </a:solidFill>
+                <a:latin typeface="Roboto"/>
+                <a:ea typeface="Roboto"/>
+                <a:cs typeface="Calibri"/>
+                <a:sym typeface="Roboto"/>
+              </a:rPr>
+              <a:t> </a:t>
+            </a:r>
+            <a:r>
+              <a:rPr lang="en-US" sz="2000" b="1" dirty="0">
+                <a:solidFill>
+                  <a:schemeClr val="tx1"/>
+                </a:solidFill>
+                <a:latin typeface="Roboto"/>
+                <a:ea typeface="Roboto"/>
+                <a:cs typeface="Calibri"/>
+                <a:sym typeface="Roboto"/>
+              </a:rPr>
+              <a:t>git push </a:t>
+            </a:r>
+            <a:r>
+              <a:rPr lang="en-US" sz="2000" dirty="0">
+                <a:solidFill>
+                  <a:schemeClr val="tx1"/>
+                </a:solidFill>
+                <a:latin typeface="Roboto"/>
+                <a:ea typeface="Roboto"/>
+                <a:cs typeface="Calibri"/>
+                <a:sym typeface="Roboto"/>
+              </a:rPr>
+              <a:t>– </a:t>
+            </a:r>
+            <a:r>
+              <a:rPr lang="ru-RU" sz="2000" dirty="0">
+                <a:solidFill>
+                  <a:schemeClr val="tx1"/>
+                </a:solidFill>
+                <a:latin typeface="Roboto"/>
+                <a:ea typeface="Roboto"/>
+                <a:cs typeface="Calibri"/>
+                <a:sym typeface="Roboto"/>
+              </a:rPr>
+              <a:t>отправка изменений в удаленный репозитория</a:t>
+            </a:r>
+          </a:p>
+          <a:p>
+            <a:pPr marL="0" marR="0" lvl="0" indent="-12700" algn="l" rtl="0">
+              <a:spcBef>
+                <a:spcPts val="0"/>
+              </a:spcBef>
+              <a:spcAft>
+                <a:spcPts val="1200"/>
+              </a:spcAft>
+              <a:buSzPts val="2000"/>
+              <a:buFont typeface="Noto Sans Symbols"/>
+              <a:buChar char="▪"/>
+            </a:pPr>
+            <a:r>
+              <a:rPr lang="ru-RU" sz="2000" b="0" i="0" u="none" strike="noStrike" cap="none" dirty="0">
+                <a:solidFill>
+                  <a:schemeClr val="tx1"/>
+                </a:solidFill>
+                <a:latin typeface="Roboto"/>
+                <a:ea typeface="Roboto"/>
+                <a:cs typeface="Calibri"/>
+                <a:sym typeface="Roboto"/>
+              </a:rPr>
+              <a:t> </a:t>
+            </a:r>
+            <a:r>
+              <a:rPr lang="en-US" sz="2000" b="1" dirty="0">
+                <a:solidFill>
+                  <a:schemeClr val="tx1"/>
+                </a:solidFill>
+                <a:latin typeface="Roboto"/>
+                <a:ea typeface="Roboto"/>
+                <a:cs typeface="Calibri"/>
+                <a:sym typeface="Roboto"/>
+              </a:rPr>
+              <a:t>git pull </a:t>
+            </a:r>
+            <a:r>
+              <a:rPr lang="en-US" sz="2000" dirty="0">
+                <a:solidFill>
+                  <a:schemeClr val="tx1"/>
+                </a:solidFill>
+                <a:latin typeface="Roboto"/>
+                <a:ea typeface="Roboto"/>
+                <a:cs typeface="Calibri"/>
+                <a:sym typeface="Roboto"/>
+              </a:rPr>
+              <a:t>– </a:t>
+            </a:r>
+            <a:r>
+              <a:rPr lang="ru-RU" sz="2000" dirty="0">
+                <a:solidFill>
+                  <a:schemeClr val="tx1"/>
+                </a:solidFill>
+                <a:latin typeface="Roboto"/>
+                <a:ea typeface="Roboto"/>
+                <a:cs typeface="Calibri"/>
+                <a:sym typeface="Roboto"/>
+              </a:rPr>
+              <a:t>загрузка изменений из удаленного репозитория</a:t>
+            </a:r>
+          </a:p>
+          <a:p>
+            <a:pPr marL="0" marR="0" lvl="0" indent="-12700" algn="l" rtl="0">
+              <a:spcBef>
+                <a:spcPts val="0"/>
+              </a:spcBef>
+              <a:spcAft>
+                <a:spcPts val="1200"/>
+              </a:spcAft>
+              <a:buSzPts val="2000"/>
+              <a:buFont typeface="Noto Sans Symbols"/>
+              <a:buChar char="▪"/>
+            </a:pPr>
+            <a:r>
+              <a:rPr lang="ru-RU" sz="2000" dirty="0">
+                <a:solidFill>
+                  <a:schemeClr val="tx1"/>
+                </a:solidFill>
+                <a:latin typeface="Roboto"/>
+                <a:ea typeface="Roboto"/>
+                <a:cs typeface="Calibri"/>
+                <a:sym typeface="Roboto"/>
+              </a:rPr>
+              <a:t> </a:t>
+            </a:r>
+            <a:r>
+              <a:rPr lang="en-US" sz="2000" b="1" dirty="0">
+                <a:solidFill>
+                  <a:schemeClr val="tx1"/>
+                </a:solidFill>
+                <a:latin typeface="Roboto"/>
+                <a:ea typeface="Roboto"/>
+                <a:cs typeface="Calibri"/>
+                <a:sym typeface="Roboto"/>
+              </a:rPr>
+              <a:t>git status </a:t>
+            </a:r>
+            <a:r>
+              <a:rPr lang="en-US" sz="2000" dirty="0">
+                <a:solidFill>
+                  <a:schemeClr val="tx1"/>
+                </a:solidFill>
+                <a:latin typeface="Roboto"/>
+                <a:ea typeface="Roboto"/>
+                <a:cs typeface="Calibri"/>
+                <a:sym typeface="Roboto"/>
+              </a:rPr>
+              <a:t>–</a:t>
+            </a:r>
+            <a:r>
+              <a:rPr lang="ru-RU" sz="2000" dirty="0">
+                <a:solidFill>
+                  <a:schemeClr val="tx1"/>
+                </a:solidFill>
+                <a:latin typeface="Roboto"/>
+                <a:ea typeface="Roboto"/>
+                <a:cs typeface="Calibri"/>
+                <a:sym typeface="Roboto"/>
+              </a:rPr>
+              <a:t> проверка статуса репозитория</a:t>
+            </a:r>
+          </a:p>
+          <a:p>
+            <a:pPr marL="0" marR="0" lvl="0" indent="-12700" algn="l" rtl="0">
+              <a:spcBef>
+                <a:spcPts val="0"/>
+              </a:spcBef>
+              <a:spcAft>
+                <a:spcPts val="1200"/>
+              </a:spcAft>
+              <a:buSzPts val="2000"/>
+              <a:buFont typeface="Noto Sans Symbols"/>
+              <a:buChar char="▪"/>
+            </a:pPr>
+            <a:r>
+              <a:rPr lang="ru-RU" sz="2000" dirty="0">
+                <a:solidFill>
+                  <a:schemeClr val="tx1"/>
+                </a:solidFill>
+                <a:latin typeface="Roboto"/>
+                <a:ea typeface="Roboto"/>
+                <a:cs typeface="Calibri"/>
+                <a:sym typeface="Roboto"/>
+              </a:rPr>
+              <a:t> </a:t>
+            </a:r>
+            <a:r>
+              <a:rPr lang="en-US" sz="2000" b="1" dirty="0">
+                <a:solidFill>
+                  <a:schemeClr val="tx1"/>
+                </a:solidFill>
+                <a:latin typeface="Roboto"/>
+                <a:ea typeface="Roboto"/>
+                <a:cs typeface="Calibri"/>
+                <a:sym typeface="Roboto"/>
+              </a:rPr>
+              <a:t>git log</a:t>
+            </a:r>
+            <a:r>
+              <a:rPr lang="en-US" sz="2000" dirty="0">
+                <a:solidFill>
+                  <a:schemeClr val="tx1"/>
+                </a:solidFill>
+                <a:latin typeface="Roboto"/>
+                <a:ea typeface="Roboto"/>
+                <a:cs typeface="Calibri"/>
+                <a:sym typeface="Roboto"/>
+              </a:rPr>
+              <a:t> </a:t>
+            </a:r>
+            <a:r>
+              <a:rPr lang="ru-RU" sz="2000" dirty="0">
+                <a:solidFill>
+                  <a:schemeClr val="tx1"/>
+                </a:solidFill>
+                <a:latin typeface="Roboto"/>
+                <a:ea typeface="Roboto"/>
+                <a:cs typeface="Calibri"/>
+                <a:sym typeface="Roboto"/>
+              </a:rPr>
+              <a:t>– показать историю коммитов</a:t>
+            </a:r>
+          </a:p>
+        </p:txBody>
+      </p:sp>
+    </p:spTree>
+    <p:extLst>
+      <p:ext uri="{BB962C8B-B14F-4D97-AF65-F5344CB8AC3E}">
+        <p14:creationId xmlns:p14="http://schemas.microsoft.com/office/powerpoint/2010/main" val="4160821243"/>
+      </p:ext>
+    </p:extLst>
+  </p:cSld>
+  <p:clrMapOvr>
+    <a:masterClrMapping/>
+  </p:clrMapOvr>
+  <p:transition>
+    <p:fade/>
+  </p:transition>
+</p:sld>
+</file>
+
+<file path=ppt/slides/slide11.xml><?xml version="1.0" encoding="utf-8"?>
+<p:sld xmlns:a="http://schemas.openxmlformats.org/drawingml/2006/main" xmlns:r="http://schemas.openxmlformats.org/officeDocument/2006/relationships" xmlns:p="http://schemas.openxmlformats.org/presentationml/2006/main">
+  <p:cSld>
+    <p:spTree>
+      <p:nvGrpSpPr>
         <p:cNvPr id="1" name="Shape 168"/>
         <p:cNvGrpSpPr/>
         <p:nvPr/>
@@ -21490,7 +22355,7 @@
 </p:sld>
 </file>
 
-<file path=ppt/slides/slide11.xml><?xml version="1.0" encoding="utf-8"?>
+<file path=ppt/slides/slide12.xml><?xml version="1.0" encoding="utf-8"?>
 <p:sld xmlns:a="http://schemas.openxmlformats.org/drawingml/2006/main" xmlns:r="http://schemas.openxmlformats.org/officeDocument/2006/relationships" xmlns:p="http://schemas.openxmlformats.org/presentationml/2006/main">
   <p:cSld>
     <p:spTree>
@@ -21831,7 +22696,7 @@
 </p:sld>
 </file>
 
-<file path=ppt/slides/slide12.xml><?xml version="1.0" encoding="utf-8"?>
+<file path=ppt/slides/slide13.xml><?xml version="1.0" encoding="utf-8"?>
 <p:sld xmlns:a="http://schemas.openxmlformats.org/drawingml/2006/main" xmlns:r="http://schemas.openxmlformats.org/officeDocument/2006/relationships" xmlns:p="http://schemas.openxmlformats.org/presentationml/2006/main">
   <p:cSld>
     <p:spTree>
@@ -22159,7 +23024,7 @@
 </p:sld>
 </file>
 
-<file path=ppt/slides/slide13.xml><?xml version="1.0" encoding="utf-8"?>
+<file path=ppt/slides/slide14.xml><?xml version="1.0" encoding="utf-8"?>
 <p:sld xmlns:a="http://schemas.openxmlformats.org/drawingml/2006/main" xmlns:r="http://schemas.openxmlformats.org/officeDocument/2006/relationships" xmlns:p="http://schemas.openxmlformats.org/presentationml/2006/main">
   <p:cSld>
     <p:spTree>
@@ -22601,437 +23466,6 @@
     <p:extLst>
       <p:ext uri="{BB962C8B-B14F-4D97-AF65-F5344CB8AC3E}">
         <p14:creationId xmlns:p14="http://schemas.microsoft.com/office/powerpoint/2010/main" val="1714291440"/>
-      </p:ext>
-    </p:extLst>
-  </p:cSld>
-  <p:clrMapOvr>
-    <a:masterClrMapping/>
-  </p:clrMapOvr>
-  <p:transition>
-    <p:fade/>
-  </p:transition>
-</p:sld>
-</file>
-
-<file path=ppt/slides/slide14.xml><?xml version="1.0" encoding="utf-8"?>
-<p:sld xmlns:a="http://schemas.openxmlformats.org/drawingml/2006/main" xmlns:r="http://schemas.openxmlformats.org/officeDocument/2006/relationships" xmlns:p="http://schemas.openxmlformats.org/presentationml/2006/main">
-  <p:cSld>
-    <p:spTree>
-      <p:nvGrpSpPr>
-        <p:cNvPr id="1" name="Shape 168"/>
-        <p:cNvGrpSpPr/>
-        <p:nvPr/>
-      </p:nvGrpSpPr>
-      <p:grpSpPr>
-        <a:xfrm>
-          <a:off x="0" y="0"/>
-          <a:ext cx="0" cy="0"/>
-          <a:chOff x="0" y="0"/>
-          <a:chExt cx="0" cy="0"/>
-        </a:xfrm>
-      </p:grpSpPr>
-      <p:sp>
-        <p:nvSpPr>
-          <p:cNvPr id="169" name="Shape 169"/>
-          <p:cNvSpPr txBox="1">
-            <a:spLocks noGrp="1"/>
-          </p:cNvSpPr>
-          <p:nvPr>
-            <p:ph type="title"/>
-          </p:nvPr>
-        </p:nvSpPr>
-        <p:spPr>
-          <a:xfrm>
-            <a:off x="457199" y="1086652"/>
-            <a:ext cx="4536831" cy="590400"/>
-          </a:xfrm>
-          <a:prstGeom prst="rect">
-            <a:avLst/>
-          </a:prstGeom>
-          <a:noFill/>
-          <a:ln>
-            <a:noFill/>
-          </a:ln>
-        </p:spPr>
-        <p:txBody>
-          <a:bodyPr spcFirstLastPara="1" wrap="square" lIns="91425" tIns="45700" rIns="91425" bIns="45700" anchor="ctr" anchorCtr="0">
-            <a:noAutofit/>
-          </a:bodyPr>
-          <a:lstStyle/>
-          <a:p>
-            <a:pPr marL="0" marR="0" lvl="0" indent="0" algn="l" rtl="0">
-              <a:spcBef>
-                <a:spcPts val="0"/>
-              </a:spcBef>
-              <a:spcAft>
-                <a:spcPts val="0"/>
-              </a:spcAft>
-              <a:buClr>
-                <a:schemeClr val="dk1"/>
-              </a:buClr>
-              <a:buSzPts val="4400"/>
-              <a:buFont typeface="Calibri"/>
-              <a:buNone/>
-            </a:pPr>
-            <a:r>
-              <a:rPr lang="en-US" sz="3600" b="1" dirty="0">
-                <a:solidFill>
-                  <a:srgbClr val="262626"/>
-                </a:solidFill>
-                <a:latin typeface="Roboto"/>
-                <a:ea typeface="Roboto"/>
-                <a:cs typeface="Roboto"/>
-                <a:sym typeface="Roboto"/>
-              </a:rPr>
-              <a:t>Rebase</a:t>
-            </a:r>
-            <a:endParaRPr sz="3600" b="1" i="0" u="none" strike="noStrike" cap="none" dirty="0">
-              <a:solidFill>
-                <a:srgbClr val="262626"/>
-              </a:solidFill>
-              <a:latin typeface="Roboto"/>
-              <a:ea typeface="Roboto"/>
-              <a:cs typeface="Roboto"/>
-              <a:sym typeface="Roboto"/>
-            </a:endParaRPr>
-          </a:p>
-        </p:txBody>
-      </p:sp>
-      <p:pic>
-        <p:nvPicPr>
-          <p:cNvPr id="176" name="Shape 176"/>
-          <p:cNvPicPr preferRelativeResize="0"/>
-          <p:nvPr/>
-        </p:nvPicPr>
-        <p:blipFill>
-          <a:blip r:embed="rId3">
-            <a:alphaModFix/>
-          </a:blip>
-          <a:stretch>
-            <a:fillRect/>
-          </a:stretch>
-        </p:blipFill>
-        <p:spPr>
-          <a:xfrm>
-            <a:off x="353700" y="302000"/>
-            <a:ext cx="1741800" cy="502875"/>
-          </a:xfrm>
-          <a:prstGeom prst="rect">
-            <a:avLst/>
-          </a:prstGeom>
-          <a:noFill/>
-          <a:ln>
-            <a:noFill/>
-          </a:ln>
-        </p:spPr>
-      </p:pic>
-      <p:sp>
-        <p:nvSpPr>
-          <p:cNvPr id="11" name="Shape 163">
-            <a:extLst>
-              <a:ext uri="{FF2B5EF4-FFF2-40B4-BE49-F238E27FC236}">
-                <a16:creationId xmlns:a16="http://schemas.microsoft.com/office/drawing/2014/main" id="{0A5B0CC1-2514-48C5-9C86-3B6B6A79FBBD}"/>
-              </a:ext>
-            </a:extLst>
-          </p:cNvPr>
-          <p:cNvSpPr txBox="1"/>
-          <p:nvPr/>
-        </p:nvSpPr>
-        <p:spPr>
-          <a:xfrm>
-            <a:off x="507440" y="1677052"/>
-            <a:ext cx="4064560" cy="4878948"/>
-          </a:xfrm>
-          <a:prstGeom prst="rect">
-            <a:avLst/>
-          </a:prstGeom>
-          <a:noFill/>
-          <a:ln>
-            <a:noFill/>
-          </a:ln>
-        </p:spPr>
-        <p:txBody>
-          <a:bodyPr spcFirstLastPara="1" wrap="square" lIns="91425" tIns="45700" rIns="91425" bIns="45700" anchor="ctr" anchorCtr="0">
-            <a:noAutofit/>
-          </a:bodyPr>
-          <a:lstStyle/>
-          <a:p>
-            <a:pPr marL="0" marR="0" lvl="0" indent="-12700" algn="l" rtl="0">
-              <a:spcBef>
-                <a:spcPts val="0"/>
-              </a:spcBef>
-              <a:spcAft>
-                <a:spcPts val="1200"/>
-              </a:spcAft>
-              <a:buSzPts val="2000"/>
-              <a:buFont typeface="Noto Sans Symbols"/>
-              <a:buChar char="▪"/>
-            </a:pPr>
-            <a:r>
-              <a:rPr lang="ru-RU" sz="2000" dirty="0">
-                <a:latin typeface="Roboto"/>
-                <a:ea typeface="Roboto"/>
-                <a:cs typeface="Roboto"/>
-                <a:sym typeface="Roboto"/>
-              </a:rPr>
-              <a:t> При выполнении </a:t>
-            </a:r>
-            <a:r>
-              <a:rPr lang="en-US" sz="2000" dirty="0">
-                <a:latin typeface="Roboto"/>
-                <a:ea typeface="Roboto"/>
-                <a:cs typeface="Roboto"/>
-                <a:sym typeface="Roboto"/>
-              </a:rPr>
-              <a:t>rebase HEAD master </a:t>
-            </a:r>
-            <a:r>
-              <a:rPr lang="ru-RU" sz="2000" dirty="0">
-                <a:latin typeface="Roboto"/>
-                <a:ea typeface="Roboto"/>
-                <a:cs typeface="Roboto"/>
-                <a:sym typeface="Roboto"/>
-              </a:rPr>
-              <a:t>смещается к коммиту с которого была создана </a:t>
-            </a:r>
-            <a:r>
-              <a:rPr lang="en-US" sz="2000" dirty="0">
-                <a:latin typeface="Roboto"/>
-                <a:ea typeface="Roboto"/>
-                <a:cs typeface="Roboto"/>
-                <a:sym typeface="Roboto"/>
-              </a:rPr>
-              <a:t>develop</a:t>
-            </a:r>
-            <a:r>
-              <a:rPr lang="ru-RU" sz="2000" dirty="0">
-                <a:latin typeface="Roboto"/>
-                <a:ea typeface="Roboto"/>
-                <a:cs typeface="Roboto"/>
-                <a:sym typeface="Roboto"/>
-              </a:rPr>
-              <a:t> (2)</a:t>
-            </a:r>
-            <a:r>
-              <a:rPr lang="en-US" sz="2000" dirty="0">
-                <a:latin typeface="Roboto"/>
-                <a:ea typeface="Roboto"/>
-                <a:cs typeface="Roboto"/>
-                <a:sym typeface="Roboto"/>
-              </a:rPr>
-              <a:t>. </a:t>
-            </a:r>
-            <a:r>
-              <a:rPr lang="ru-RU" sz="2000" dirty="0">
-                <a:latin typeface="Roboto"/>
-                <a:ea typeface="Roboto"/>
-                <a:cs typeface="Roboto"/>
-                <a:sym typeface="Roboto"/>
-              </a:rPr>
-              <a:t>Поочередо применяются все коммиты </a:t>
-            </a:r>
-            <a:r>
-              <a:rPr lang="en-US" sz="2000" dirty="0">
-                <a:latin typeface="Roboto"/>
-                <a:ea typeface="Roboto"/>
-                <a:cs typeface="Roboto"/>
-                <a:sym typeface="Roboto"/>
-              </a:rPr>
-              <a:t>develop</a:t>
-            </a:r>
-            <a:r>
-              <a:rPr lang="ru-RU" sz="2000" dirty="0">
-                <a:latin typeface="Roboto"/>
-                <a:ea typeface="Roboto"/>
-                <a:cs typeface="Roboto"/>
-                <a:sym typeface="Roboto"/>
-              </a:rPr>
-              <a:t>, после чего применяются все коммиты </a:t>
-            </a:r>
-            <a:r>
-              <a:rPr lang="en-US" sz="2000" dirty="0">
-                <a:latin typeface="Roboto"/>
-                <a:ea typeface="Roboto"/>
-                <a:cs typeface="Roboto"/>
-                <a:sym typeface="Roboto"/>
-              </a:rPr>
-              <a:t>master</a:t>
-            </a:r>
-            <a:r>
-              <a:rPr lang="ru-RU" sz="2000" dirty="0">
-                <a:latin typeface="Roboto"/>
-                <a:ea typeface="Roboto"/>
-                <a:cs typeface="Roboto"/>
-                <a:sym typeface="Roboto"/>
-              </a:rPr>
-              <a:t>, которые были после коммита (2)</a:t>
-            </a:r>
-          </a:p>
-          <a:p>
-            <a:pPr marL="0" marR="0" lvl="0" indent="-12700" algn="l" rtl="0">
-              <a:spcBef>
-                <a:spcPts val="0"/>
-              </a:spcBef>
-              <a:spcAft>
-                <a:spcPts val="1200"/>
-              </a:spcAft>
-              <a:buSzPts val="2000"/>
-              <a:buFont typeface="Noto Sans Symbols"/>
-              <a:buChar char="▪"/>
-            </a:pPr>
-            <a:endParaRPr lang="ru-RU" sz="2000" dirty="0">
-              <a:latin typeface="Roboto"/>
-              <a:ea typeface="Roboto"/>
-              <a:cs typeface="Roboto"/>
-              <a:sym typeface="Roboto"/>
-            </a:endParaRPr>
-          </a:p>
-          <a:p>
-            <a:pPr marL="0" marR="0" lvl="0" indent="-12700" algn="l" rtl="0">
-              <a:spcBef>
-                <a:spcPts val="0"/>
-              </a:spcBef>
-              <a:spcAft>
-                <a:spcPts val="1200"/>
-              </a:spcAft>
-              <a:buSzPts val="2000"/>
-              <a:buFont typeface="Noto Sans Symbols"/>
-              <a:buChar char="▪"/>
-            </a:pPr>
-            <a:r>
-              <a:rPr lang="ru-RU" sz="2000" dirty="0">
-                <a:latin typeface="Roboto"/>
-                <a:ea typeface="Roboto"/>
-                <a:cs typeface="Roboto"/>
-                <a:sym typeface="Roboto"/>
-              </a:rPr>
-              <a:t> При </a:t>
-            </a:r>
-            <a:r>
-              <a:rPr lang="en-US" sz="2000" dirty="0">
-                <a:latin typeface="Roboto"/>
-                <a:ea typeface="Roboto"/>
-                <a:cs typeface="Roboto"/>
-                <a:sym typeface="Roboto"/>
-              </a:rPr>
-              <a:t>rebase </a:t>
-            </a:r>
-            <a:r>
-              <a:rPr lang="ru-RU" sz="2000" dirty="0">
-                <a:latin typeface="Roboto"/>
-                <a:ea typeface="Roboto"/>
-                <a:cs typeface="Roboto"/>
-                <a:sym typeface="Roboto"/>
-              </a:rPr>
-              <a:t>история коммитов имеет последовательный вид</a:t>
-            </a:r>
-            <a:endParaRPr lang="en-US" sz="2000" dirty="0">
-              <a:latin typeface="Roboto"/>
-              <a:ea typeface="Roboto"/>
-              <a:cs typeface="Roboto"/>
-              <a:sym typeface="Roboto"/>
-            </a:endParaRPr>
-          </a:p>
-        </p:txBody>
-      </p:sp>
-      <p:pic>
-        <p:nvPicPr>
-          <p:cNvPr id="5128" name="Picture 8">
-            <a:extLst>
-              <a:ext uri="{FF2B5EF4-FFF2-40B4-BE49-F238E27FC236}">
-                <a16:creationId xmlns:a16="http://schemas.microsoft.com/office/drawing/2014/main" id="{B0798DB1-B626-4A98-A982-3F7180600478}"/>
-              </a:ext>
-            </a:extLst>
-          </p:cNvPr>
-          <p:cNvPicPr>
-            <a:picLocks noChangeAspect="1" noChangeArrowheads="1"/>
-          </p:cNvPicPr>
-          <p:nvPr/>
-        </p:nvPicPr>
-        <p:blipFill>
-          <a:blip r:embed="rId4">
-            <a:extLst>
-              <a:ext uri="{28A0092B-C50C-407E-A947-70E740481C1C}">
-                <a14:useLocalDpi xmlns:a14="http://schemas.microsoft.com/office/drawing/2010/main" val="0"/>
-              </a:ext>
-            </a:extLst>
-          </a:blip>
-          <a:srcRect/>
-          <a:stretch>
-            <a:fillRect/>
-          </a:stretch>
-        </p:blipFill>
-        <p:spPr bwMode="auto">
-          <a:xfrm>
-            <a:off x="4445436" y="0"/>
-            <a:ext cx="2401887" cy="6858000"/>
-          </a:xfrm>
-          <a:prstGeom prst="rect">
-            <a:avLst/>
-          </a:prstGeom>
-          <a:noFill/>
-          <a:extLst>
-            <a:ext uri="{909E8E84-426E-40DD-AFC4-6F175D3DCCD1}">
-              <a14:hiddenFill xmlns:a14="http://schemas.microsoft.com/office/drawing/2010/main">
-                <a:solidFill>
-                  <a:srgbClr val="FFFFFF"/>
-                </a:solidFill>
-              </a14:hiddenFill>
-            </a:ext>
-          </a:extLst>
-        </p:spPr>
-      </p:pic>
-      <p:pic>
-        <p:nvPicPr>
-          <p:cNvPr id="5130" name="Picture 10">
-            <a:extLst>
-              <a:ext uri="{FF2B5EF4-FFF2-40B4-BE49-F238E27FC236}">
-                <a16:creationId xmlns:a16="http://schemas.microsoft.com/office/drawing/2014/main" id="{692CFD7D-DE5F-4B28-BEC1-851E3B545C9B}"/>
-              </a:ext>
-            </a:extLst>
-          </p:cNvPr>
-          <p:cNvPicPr>
-            <a:picLocks noChangeAspect="1" noChangeArrowheads="1"/>
-          </p:cNvPicPr>
-          <p:nvPr/>
-        </p:nvPicPr>
-        <p:blipFill>
-          <a:blip r:embed="rId5">
-            <a:extLst>
-              <a:ext uri="{28A0092B-C50C-407E-A947-70E740481C1C}">
-                <a14:useLocalDpi xmlns:a14="http://schemas.microsoft.com/office/drawing/2010/main" val="0"/>
-              </a:ext>
-            </a:extLst>
-          </a:blip>
-          <a:srcRect/>
-          <a:stretch>
-            <a:fillRect/>
-          </a:stretch>
-        </p:blipFill>
-        <p:spPr bwMode="auto">
-          <a:xfrm>
-            <a:off x="7032388" y="0"/>
-            <a:ext cx="2370137" cy="6858000"/>
-          </a:xfrm>
-          <a:prstGeom prst="rect">
-            <a:avLst/>
-          </a:prstGeom>
-          <a:noFill/>
-          <a:extLst>
-            <a:ext uri="{909E8E84-426E-40DD-AFC4-6F175D3DCCD1}">
-              <a14:hiddenFill xmlns:a14="http://schemas.microsoft.com/office/drawing/2010/main">
-                <a:solidFill>
-                  <a:srgbClr val="FFFFFF"/>
-                </a:solidFill>
-              </a14:hiddenFill>
-            </a:ext>
-          </a:extLst>
-        </p:spPr>
-      </p:pic>
-    </p:spTree>
-    <p:extLst>
-      <p:ext uri="{BB962C8B-B14F-4D97-AF65-F5344CB8AC3E}">
-        <p14:creationId xmlns:p14="http://schemas.microsoft.com/office/powerpoint/2010/main" val="3665805213"/>
       </p:ext>
     </p:extLst>
   </p:cSld>

--- a/3.VersionControl/VersionControl.pptx
+++ b/3.VersionControl/VersionControl.pptx
@@ -26495,7 +26495,7 @@
                 <a:cs typeface="Roboto"/>
                 <a:sym typeface="Roboto"/>
               </a:rPr>
-              <a:t> cd D:\temp\project</a:t>
+              <a:t> cd D:/temp/project</a:t>
             </a:r>
             <a:r>
               <a:rPr lang="en-US" sz="2000" dirty="0">

--- a/3.VersionControl/VersionControl.pptx
+++ b/3.VersionControl/VersionControl.pptx
@@ -5,7 +5,7 @@
     <p:sldMasterId id="2147483661" r:id="rId1"/>
   </p:sldMasterIdLst>
   <p:notesMasterIdLst>
-    <p:notesMasterId r:id="rId16"/>
+    <p:notesMasterId r:id="rId17"/>
   </p:notesMasterIdLst>
   <p:sldIdLst>
     <p:sldId id="256" r:id="rId2"/>
@@ -22,23 +22,24 @@
     <p:sldId id="283" r:id="rId13"/>
     <p:sldId id="281" r:id="rId14"/>
     <p:sldId id="284" r:id="rId15"/>
+    <p:sldId id="287" r:id="rId16"/>
   </p:sldIdLst>
   <p:sldSz cx="9144000" cy="6858000" type="screen4x3"/>
   <p:notesSz cx="6858000" cy="9144000"/>
   <p:embeddedFontLst>
     <p:embeddedFont>
       <p:font typeface="Calibri" panose="020F0502020204030204" pitchFamily="34" charset="0"/>
-      <p:regular r:id="rId17"/>
-      <p:bold r:id="rId18"/>
-      <p:italic r:id="rId19"/>
-      <p:boldItalic r:id="rId20"/>
+      <p:regular r:id="rId18"/>
+      <p:bold r:id="rId19"/>
+      <p:italic r:id="rId20"/>
+      <p:boldItalic r:id="rId21"/>
     </p:embeddedFont>
     <p:embeddedFont>
       <p:font typeface="Roboto" panose="020B0604020202020204" charset="0"/>
-      <p:regular r:id="rId21"/>
-      <p:bold r:id="rId22"/>
-      <p:italic r:id="rId23"/>
-      <p:boldItalic r:id="rId24"/>
+      <p:regular r:id="rId22"/>
+      <p:bold r:id="rId23"/>
+      <p:italic r:id="rId24"/>
+      <p:boldItalic r:id="rId25"/>
     </p:embeddedFont>
   </p:embeddedFontLst>
   <p:defaultTextStyle>
@@ -2438,6 +2439,199 @@
     <p:extLst>
       <p:ext uri="{BB962C8B-B14F-4D97-AF65-F5344CB8AC3E}">
         <p14:creationId xmlns:p14="http://schemas.microsoft.com/office/powerpoint/2010/main" val="3845318937"/>
+      </p:ext>
+    </p:extLst>
+  </p:cSld>
+  <p:clrMapOvr>
+    <a:masterClrMapping/>
+  </p:clrMapOvr>
+</p:notes>
+</file>
+
+<file path=ppt/notesSlides/notesSlide15.xml><?xml version="1.0" encoding="utf-8"?>
+<p:notes xmlns:a="http://schemas.openxmlformats.org/drawingml/2006/main" xmlns:r="http://schemas.openxmlformats.org/officeDocument/2006/relationships" xmlns:p="http://schemas.openxmlformats.org/presentationml/2006/main" showMasterSp="0" showMasterPhAnim="0">
+  <p:cSld>
+    <p:spTree>
+      <p:nvGrpSpPr>
+        <p:cNvPr id="1" name="Shape 152"/>
+        <p:cNvGrpSpPr/>
+        <p:nvPr/>
+      </p:nvGrpSpPr>
+      <p:grpSpPr>
+        <a:xfrm>
+          <a:off x="0" y="0"/>
+          <a:ext cx="0" cy="0"/>
+          <a:chOff x="0" y="0"/>
+          <a:chExt cx="0" cy="0"/>
+        </a:xfrm>
+      </p:grpSpPr>
+      <p:sp>
+        <p:nvSpPr>
+          <p:cNvPr id="153" name="Shape 153"/>
+          <p:cNvSpPr>
+            <a:spLocks noGrp="1" noRot="1" noChangeAspect="1"/>
+          </p:cNvSpPr>
+          <p:nvPr>
+            <p:ph type="sldImg" idx="2"/>
+          </p:nvPr>
+        </p:nvSpPr>
+        <p:spPr>
+          <a:xfrm>
+            <a:off x="1143000" y="685800"/>
+            <a:ext cx="4572000" cy="3429000"/>
+          </a:xfrm>
+          <a:custGeom>
+            <a:avLst/>
+            <a:gdLst/>
+            <a:ahLst/>
+            <a:cxnLst/>
+            <a:rect l="0" t="0" r="0" b="0"/>
+            <a:pathLst>
+              <a:path w="120000" h="120000" extrusionOk="0">
+                <a:moveTo>
+                  <a:pt x="0" y="0"/>
+                </a:moveTo>
+                <a:lnTo>
+                  <a:pt x="120000" y="0"/>
+                </a:lnTo>
+                <a:lnTo>
+                  <a:pt x="120000" y="120000"/>
+                </a:lnTo>
+                <a:lnTo>
+                  <a:pt x="0" y="120000"/>
+                </a:lnTo>
+                <a:close/>
+              </a:path>
+            </a:pathLst>
+          </a:custGeom>
+          <a:noFill/>
+          <a:ln w="9525" cap="flat" cmpd="sng">
+            <a:solidFill>
+              <a:srgbClr val="000000"/>
+            </a:solidFill>
+            <a:prstDash val="solid"/>
+            <a:miter lim="800000"/>
+            <a:headEnd type="none" w="med" len="med"/>
+            <a:tailEnd type="none" w="med" len="med"/>
+          </a:ln>
+        </p:spPr>
+      </p:sp>
+      <p:sp>
+        <p:nvSpPr>
+          <p:cNvPr id="154" name="Shape 154"/>
+          <p:cNvSpPr txBox="1">
+            <a:spLocks noGrp="1"/>
+          </p:cNvSpPr>
+          <p:nvPr>
+            <p:ph type="body" idx="1"/>
+          </p:nvPr>
+        </p:nvSpPr>
+        <p:spPr>
+          <a:xfrm>
+            <a:off x="685800" y="4343400"/>
+            <a:ext cx="5486400" cy="4114800"/>
+          </a:xfrm>
+          <a:prstGeom prst="rect">
+            <a:avLst/>
+          </a:prstGeom>
+          <a:noFill/>
+          <a:ln>
+            <a:noFill/>
+          </a:ln>
+        </p:spPr>
+        <p:txBody>
+          <a:bodyPr spcFirstLastPara="1" wrap="square" lIns="91425" tIns="45700" rIns="91425" bIns="45700" anchor="t" anchorCtr="0">
+            <a:noAutofit/>
+          </a:bodyPr>
+          <a:lstStyle/>
+          <a:p>
+            <a:pPr marL="0" marR="0" lvl="0" indent="0" algn="l" rtl="0">
+              <a:spcBef>
+                <a:spcPts val="0"/>
+              </a:spcBef>
+              <a:spcAft>
+                <a:spcPts val="0"/>
+              </a:spcAft>
+              <a:buNone/>
+            </a:pPr>
+            <a:endParaRPr sz="1200" b="0" i="0" u="none" strike="noStrike" cap="none">
+              <a:solidFill>
+                <a:schemeClr val="dk1"/>
+              </a:solidFill>
+              <a:latin typeface="Calibri"/>
+              <a:ea typeface="Calibri"/>
+              <a:cs typeface="Calibri"/>
+              <a:sym typeface="Calibri"/>
+            </a:endParaRPr>
+          </a:p>
+        </p:txBody>
+      </p:sp>
+      <p:sp>
+        <p:nvSpPr>
+          <p:cNvPr id="155" name="Shape 155"/>
+          <p:cNvSpPr txBox="1">
+            <a:spLocks noGrp="1"/>
+          </p:cNvSpPr>
+          <p:nvPr>
+            <p:ph type="sldNum" idx="12"/>
+          </p:nvPr>
+        </p:nvSpPr>
+        <p:spPr>
+          <a:xfrm>
+            <a:off x="3884613" y="8685213"/>
+            <a:ext cx="2971800" cy="457200"/>
+          </a:xfrm>
+          <a:prstGeom prst="rect">
+            <a:avLst/>
+          </a:prstGeom>
+          <a:noFill/>
+          <a:ln>
+            <a:noFill/>
+          </a:ln>
+        </p:spPr>
+        <p:txBody>
+          <a:bodyPr spcFirstLastPara="1" wrap="square" lIns="91425" tIns="45700" rIns="91425" bIns="45700" anchor="b" anchorCtr="0">
+            <a:noAutofit/>
+          </a:bodyPr>
+          <a:lstStyle/>
+          <a:p>
+            <a:pPr marL="0" marR="0" lvl="0" indent="0" algn="r" rtl="0">
+              <a:spcBef>
+                <a:spcPts val="0"/>
+              </a:spcBef>
+              <a:spcAft>
+                <a:spcPts val="0"/>
+              </a:spcAft>
+              <a:buNone/>
+            </a:pPr>
+            <a:fld id="{00000000-1234-1234-1234-123412341234}" type="slidenum">
+              <a:rPr lang="en-US" sz="1200" b="0" i="0" u="none" strike="noStrike" cap="none">
+                <a:solidFill>
+                  <a:schemeClr val="dk1"/>
+                </a:solidFill>
+                <a:latin typeface="Calibri"/>
+                <a:ea typeface="Calibri"/>
+                <a:cs typeface="Calibri"/>
+                <a:sym typeface="Calibri"/>
+              </a:rPr>
+              <a:t>15</a:t>
+            </a:fld>
+            <a:endParaRPr sz="1200" b="0" i="0" u="none" strike="noStrike" cap="none">
+              <a:solidFill>
+                <a:schemeClr val="dk1"/>
+              </a:solidFill>
+              <a:latin typeface="Calibri"/>
+              <a:ea typeface="Calibri"/>
+              <a:cs typeface="Calibri"/>
+              <a:sym typeface="Calibri"/>
+            </a:endParaRPr>
+          </a:p>
+        </p:txBody>
+      </p:sp>
+    </p:spTree>
+    <p:extLst>
+      <p:ext uri="{BB962C8B-B14F-4D97-AF65-F5344CB8AC3E}">
+        <p14:creationId xmlns:p14="http://schemas.microsoft.com/office/powerpoint/2010/main" val="2364785262"/>
       </p:ext>
     </p:extLst>
   </p:cSld>
@@ -21565,7 +21759,7 @@
                 <a:cs typeface="Calibri"/>
                 <a:sym typeface="Roboto"/>
               </a:rPr>
-              <a:t>создать кокальную копию удаленного репозитория</a:t>
+              <a:t>создать локальную копию удаленного репозитория</a:t>
             </a:r>
             <a:endParaRPr lang="ru-RU" sz="2000" b="0" i="0" u="none" strike="noStrike" cap="none" dirty="0">
               <a:solidFill>
@@ -22896,11 +23090,26 @@
                 <a:cs typeface="Roboto"/>
                 <a:sym typeface="Roboto"/>
               </a:rPr>
-              <a:t>это указатель на текущую ветку, которая, в свою очередь, является указателем на последний коммит, сделанный в ней</a:t>
+              <a:t>это указатель на текущую ветку</a:t>
             </a:r>
+            <a:r>
+              <a:rPr lang="en-US" sz="2000" dirty="0">
+                <a:latin typeface="Roboto"/>
+                <a:ea typeface="Roboto"/>
+                <a:cs typeface="Roboto"/>
+                <a:sym typeface="Roboto"/>
+              </a:rPr>
+              <a:t>. </a:t>
+            </a:r>
+            <a:endParaRPr lang="ru-RU" sz="2000" dirty="0">
+              <a:latin typeface="Roboto"/>
+              <a:ea typeface="Roboto"/>
+              <a:cs typeface="Roboto"/>
+              <a:sym typeface="Roboto"/>
+            </a:endParaRPr>
           </a:p>
           <a:p>
-            <a:pPr marL="0" marR="0" lvl="0" indent="-12700" algn="l" rtl="0">
+            <a:pPr marR="0" lvl="0" algn="l" rtl="0">
               <a:spcBef>
                 <a:spcPts val="0"/>
               </a:spcBef>
@@ -22908,9 +23117,15 @@
                 <a:spcPts val="1200"/>
               </a:spcAft>
               <a:buSzPts val="2000"/>
-              <a:buFont typeface="Noto Sans Symbols"/>
-              <a:buChar char="▪"/>
             </a:pPr>
+            <a:br>
+              <a:rPr lang="ru-RU" sz="2000" dirty="0">
+                <a:latin typeface="Roboto"/>
+                <a:ea typeface="Roboto"/>
+                <a:cs typeface="Roboto"/>
+                <a:sym typeface="Roboto"/>
+              </a:rPr>
+            </a:br>
             <a:endParaRPr lang="ru-RU" sz="2000" dirty="0">
               <a:latin typeface="Roboto"/>
               <a:ea typeface="Roboto"/>
@@ -23466,6 +23681,793 @@
     <p:extLst>
       <p:ext uri="{BB962C8B-B14F-4D97-AF65-F5344CB8AC3E}">
         <p14:creationId xmlns:p14="http://schemas.microsoft.com/office/powerpoint/2010/main" val="1714291440"/>
+      </p:ext>
+    </p:extLst>
+  </p:cSld>
+  <p:clrMapOvr>
+    <a:masterClrMapping/>
+  </p:clrMapOvr>
+  <p:transition>
+    <p:fade/>
+  </p:transition>
+</p:sld>
+</file>
+
+<file path=ppt/slides/slide15.xml><?xml version="1.0" encoding="utf-8"?>
+<p:sld xmlns:a="http://schemas.openxmlformats.org/drawingml/2006/main" xmlns:r="http://schemas.openxmlformats.org/officeDocument/2006/relationships" xmlns:p="http://schemas.openxmlformats.org/presentationml/2006/main">
+  <p:cSld>
+    <p:spTree>
+      <p:nvGrpSpPr>
+        <p:cNvPr id="1" name="Shape 156"/>
+        <p:cNvGrpSpPr/>
+        <p:nvPr/>
+      </p:nvGrpSpPr>
+      <p:grpSpPr>
+        <a:xfrm>
+          <a:off x="0" y="0"/>
+          <a:ext cx="0" cy="0"/>
+          <a:chOff x="0" y="0"/>
+          <a:chExt cx="0" cy="0"/>
+        </a:xfrm>
+      </p:grpSpPr>
+      <p:sp>
+        <p:nvSpPr>
+          <p:cNvPr id="158" name="Shape 158"/>
+          <p:cNvSpPr txBox="1">
+            <a:spLocks noGrp="1"/>
+          </p:cNvSpPr>
+          <p:nvPr>
+            <p:ph type="title"/>
+          </p:nvPr>
+        </p:nvSpPr>
+        <p:spPr>
+          <a:xfrm>
+            <a:off x="353700" y="1493126"/>
+            <a:ext cx="8470260" cy="1143000"/>
+          </a:xfrm>
+          <a:prstGeom prst="rect">
+            <a:avLst/>
+          </a:prstGeom>
+          <a:noFill/>
+          <a:ln>
+            <a:noFill/>
+          </a:ln>
+        </p:spPr>
+        <p:txBody>
+          <a:bodyPr spcFirstLastPara="1" wrap="square" lIns="91425" tIns="45700" rIns="91425" bIns="45700" anchor="ctr" anchorCtr="0">
+            <a:noAutofit/>
+          </a:bodyPr>
+          <a:lstStyle/>
+          <a:p>
+            <a:pPr lvl="0" algn="l"/>
+            <a:r>
+              <a:rPr lang="ru-RU" sz="3600" b="1" dirty="0">
+                <a:solidFill>
+                  <a:srgbClr val="262626"/>
+                </a:solidFill>
+                <a:latin typeface="Roboto"/>
+                <a:ea typeface="Roboto"/>
+                <a:cs typeface="Roboto"/>
+                <a:sym typeface="Roboto"/>
+              </a:rPr>
+              <a:t>Комманды </a:t>
+            </a:r>
+            <a:r>
+              <a:rPr lang="en-US" sz="3600" b="1" dirty="0">
+                <a:solidFill>
+                  <a:srgbClr val="262626"/>
+                </a:solidFill>
+                <a:latin typeface="Roboto"/>
+                <a:ea typeface="Roboto"/>
+                <a:cs typeface="Roboto"/>
+                <a:sym typeface="Roboto"/>
+              </a:rPr>
+              <a:t>Git</a:t>
+            </a:r>
+            <a:r>
+              <a:rPr lang="ru-RU" sz="3600" b="1" dirty="0">
+                <a:solidFill>
+                  <a:srgbClr val="262626"/>
+                </a:solidFill>
+                <a:latin typeface="Roboto"/>
+                <a:ea typeface="Roboto"/>
+                <a:cs typeface="Roboto"/>
+                <a:sym typeface="Roboto"/>
+              </a:rPr>
+              <a:t> для работы с ветками</a:t>
+            </a:r>
+            <a:endParaRPr sz="3600" b="1" i="0" u="none" strike="noStrike" cap="none" dirty="0">
+              <a:solidFill>
+                <a:srgbClr val="262626"/>
+              </a:solidFill>
+              <a:latin typeface="Roboto"/>
+              <a:ea typeface="Roboto"/>
+              <a:cs typeface="Roboto"/>
+              <a:sym typeface="Roboto"/>
+            </a:endParaRPr>
+          </a:p>
+        </p:txBody>
+      </p:sp>
+      <p:sp>
+        <p:nvSpPr>
+          <p:cNvPr id="159" name="Shape 159"/>
+          <p:cNvSpPr/>
+          <p:nvPr/>
+        </p:nvSpPr>
+        <p:spPr>
+          <a:xfrm>
+            <a:off x="7145316" y="408237"/>
+            <a:ext cx="1856100" cy="290400"/>
+          </a:xfrm>
+          <a:prstGeom prst="roundRect">
+            <a:avLst>
+              <a:gd name="adj" fmla="val 0"/>
+            </a:avLst>
+          </a:prstGeom>
+          <a:noFill/>
+          <a:ln>
+            <a:noFill/>
+          </a:ln>
+        </p:spPr>
+        <p:txBody>
+          <a:bodyPr spcFirstLastPara="1" wrap="square" lIns="91425" tIns="45700" rIns="91425" bIns="45700" anchor="ctr" anchorCtr="0">
+            <a:noAutofit/>
+          </a:bodyPr>
+          <a:lstStyle/>
+          <a:p>
+            <a:pPr marL="0" marR="0" lvl="0" indent="0" algn="ctr" rtl="0">
+              <a:spcBef>
+                <a:spcPts val="0"/>
+              </a:spcBef>
+              <a:spcAft>
+                <a:spcPts val="0"/>
+              </a:spcAft>
+              <a:buClr>
+                <a:schemeClr val="lt1"/>
+              </a:buClr>
+              <a:buSzPts val="1200"/>
+              <a:buFont typeface="Arial"/>
+              <a:buNone/>
+            </a:pPr>
+            <a:r>
+              <a:rPr lang="en-US" sz="1500" b="1" i="0" strike="noStrike" cap="none">
+                <a:solidFill>
+                  <a:srgbClr val="262626"/>
+                </a:solidFill>
+                <a:latin typeface="Roboto"/>
+                <a:ea typeface="Roboto"/>
+                <a:cs typeface="Roboto"/>
+                <a:sym typeface="Roboto"/>
+              </a:rPr>
+              <a:t>www.itea.ua</a:t>
+            </a:r>
+            <a:endParaRPr sz="1500" b="1" i="0" strike="noStrike" cap="none">
+              <a:solidFill>
+                <a:srgbClr val="262626"/>
+              </a:solidFill>
+              <a:latin typeface="Roboto"/>
+              <a:ea typeface="Roboto"/>
+              <a:cs typeface="Roboto"/>
+              <a:sym typeface="Roboto"/>
+            </a:endParaRPr>
+          </a:p>
+        </p:txBody>
+      </p:sp>
+      <p:sp>
+        <p:nvSpPr>
+          <p:cNvPr id="160" name="Shape 160"/>
+          <p:cNvSpPr/>
+          <p:nvPr/>
+        </p:nvSpPr>
+        <p:spPr>
+          <a:xfrm rot="10800000" flipH="1">
+            <a:off x="0" y="1127850"/>
+            <a:ext cx="3143100" cy="42300"/>
+          </a:xfrm>
+          <a:prstGeom prst="rect">
+            <a:avLst/>
+          </a:prstGeom>
+          <a:solidFill>
+            <a:srgbClr val="CC0000"/>
+          </a:solidFill>
+          <a:ln>
+            <a:noFill/>
+          </a:ln>
+        </p:spPr>
+        <p:txBody>
+          <a:bodyPr spcFirstLastPara="1" wrap="square" lIns="91425" tIns="91425" rIns="91425" bIns="91425" anchor="ctr" anchorCtr="0">
+            <a:noAutofit/>
+          </a:bodyPr>
+          <a:lstStyle/>
+          <a:p>
+            <a:pPr marL="0" lvl="0" indent="0">
+              <a:spcBef>
+                <a:spcPts val="0"/>
+              </a:spcBef>
+              <a:spcAft>
+                <a:spcPts val="0"/>
+              </a:spcAft>
+              <a:buNone/>
+            </a:pPr>
+            <a:r>
+              <a:rPr lang="en-US"/>
+              <a:t>                                                                                     </a:t>
+            </a:r>
+            <a:endParaRPr/>
+          </a:p>
+        </p:txBody>
+      </p:sp>
+      <p:sp>
+        <p:nvSpPr>
+          <p:cNvPr id="161" name="Shape 161"/>
+          <p:cNvSpPr/>
+          <p:nvPr/>
+        </p:nvSpPr>
+        <p:spPr>
+          <a:xfrm rot="10800000" flipH="1">
+            <a:off x="3067050" y="1127850"/>
+            <a:ext cx="3143100" cy="42300"/>
+          </a:xfrm>
+          <a:prstGeom prst="rect">
+            <a:avLst/>
+          </a:prstGeom>
+          <a:solidFill>
+            <a:srgbClr val="262626"/>
+          </a:solidFill>
+          <a:ln>
+            <a:noFill/>
+          </a:ln>
+        </p:spPr>
+        <p:txBody>
+          <a:bodyPr spcFirstLastPara="1" wrap="square" lIns="91425" tIns="91425" rIns="91425" bIns="91425" anchor="ctr" anchorCtr="0">
+            <a:noAutofit/>
+          </a:bodyPr>
+          <a:lstStyle/>
+          <a:p>
+            <a:pPr marL="0" lvl="0" indent="0">
+              <a:spcBef>
+                <a:spcPts val="0"/>
+              </a:spcBef>
+              <a:spcAft>
+                <a:spcPts val="0"/>
+              </a:spcAft>
+              <a:buNone/>
+            </a:pPr>
+            <a:endParaRPr/>
+          </a:p>
+        </p:txBody>
+      </p:sp>
+      <p:pic>
+        <p:nvPicPr>
+          <p:cNvPr id="162" name="Shape 162"/>
+          <p:cNvPicPr preferRelativeResize="0"/>
+          <p:nvPr/>
+        </p:nvPicPr>
+        <p:blipFill>
+          <a:blip r:embed="rId3">
+            <a:alphaModFix/>
+          </a:blip>
+          <a:stretch>
+            <a:fillRect/>
+          </a:stretch>
+        </p:blipFill>
+        <p:spPr>
+          <a:xfrm>
+            <a:off x="353700" y="302000"/>
+            <a:ext cx="1741800" cy="502875"/>
+          </a:xfrm>
+          <a:prstGeom prst="rect">
+            <a:avLst/>
+          </a:prstGeom>
+          <a:noFill/>
+          <a:ln>
+            <a:noFill/>
+          </a:ln>
+        </p:spPr>
+      </p:pic>
+      <p:sp>
+        <p:nvSpPr>
+          <p:cNvPr id="163" name="Shape 163"/>
+          <p:cNvSpPr txBox="1"/>
+          <p:nvPr/>
+        </p:nvSpPr>
+        <p:spPr>
+          <a:xfrm>
+            <a:off x="498180" y="2486526"/>
+            <a:ext cx="8181300" cy="4069474"/>
+          </a:xfrm>
+          <a:prstGeom prst="rect">
+            <a:avLst/>
+          </a:prstGeom>
+          <a:noFill/>
+          <a:ln>
+            <a:noFill/>
+          </a:ln>
+        </p:spPr>
+        <p:txBody>
+          <a:bodyPr spcFirstLastPara="1" wrap="square" lIns="91425" tIns="45700" rIns="91425" bIns="45700" anchor="ctr" anchorCtr="0">
+            <a:noAutofit/>
+          </a:bodyPr>
+          <a:lstStyle/>
+          <a:p>
+            <a:pPr marL="0" marR="0" lvl="0" indent="-12700" algn="l" rtl="0">
+              <a:spcBef>
+                <a:spcPts val="0"/>
+              </a:spcBef>
+              <a:spcAft>
+                <a:spcPts val="1200"/>
+              </a:spcAft>
+              <a:buSzPts val="2000"/>
+              <a:buFont typeface="Noto Sans Symbols"/>
+              <a:buChar char="▪"/>
+            </a:pPr>
+            <a:r>
+              <a:rPr lang="ru-RU" sz="2000" b="0" i="0" u="none" strike="noStrike" cap="none" dirty="0">
+                <a:solidFill>
+                  <a:schemeClr val="tx1"/>
+                </a:solidFill>
+                <a:latin typeface="Calibri"/>
+                <a:ea typeface="Calibri"/>
+                <a:cs typeface="Calibri"/>
+                <a:sym typeface="Calibri"/>
+              </a:rPr>
+              <a:t> </a:t>
+            </a:r>
+            <a:r>
+              <a:rPr lang="en-US" sz="2000" b="1" i="0" u="none" strike="noStrike" cap="none" dirty="0">
+                <a:solidFill>
+                  <a:schemeClr val="tx1"/>
+                </a:solidFill>
+                <a:latin typeface="Roboto"/>
+                <a:ea typeface="Roboto"/>
+                <a:cs typeface="Calibri"/>
+                <a:sym typeface="Roboto"/>
+              </a:rPr>
+              <a:t>git </a:t>
+            </a:r>
+            <a:r>
+              <a:rPr lang="en-US" sz="2000" b="1" dirty="0">
+                <a:solidFill>
+                  <a:schemeClr val="tx1"/>
+                </a:solidFill>
+                <a:latin typeface="Roboto"/>
+                <a:ea typeface="Roboto"/>
+                <a:cs typeface="Calibri"/>
+                <a:sym typeface="Roboto"/>
+              </a:rPr>
+              <a:t>branch</a:t>
+            </a:r>
+            <a:r>
+              <a:rPr lang="en-US" sz="2000" b="1" i="0" u="none" strike="noStrike" cap="none" dirty="0">
+                <a:solidFill>
+                  <a:schemeClr val="tx1"/>
+                </a:solidFill>
+                <a:latin typeface="Roboto"/>
+                <a:ea typeface="Roboto"/>
+                <a:cs typeface="Calibri"/>
+                <a:sym typeface="Roboto"/>
+              </a:rPr>
+              <a:t> [</a:t>
+            </a:r>
+            <a:r>
+              <a:rPr lang="ru-RU" sz="2000" b="1" i="0" u="none" strike="noStrike" cap="none" dirty="0">
+                <a:solidFill>
+                  <a:schemeClr val="tx1"/>
+                </a:solidFill>
+                <a:latin typeface="Roboto"/>
+                <a:ea typeface="Roboto"/>
+                <a:cs typeface="Calibri"/>
+                <a:sym typeface="Roboto"/>
+              </a:rPr>
+              <a:t>имя ветки</a:t>
+            </a:r>
+            <a:r>
+              <a:rPr lang="en-US" sz="2000" b="1" i="0" u="none" strike="noStrike" cap="none" dirty="0">
+                <a:solidFill>
+                  <a:schemeClr val="tx1"/>
+                </a:solidFill>
+                <a:latin typeface="Roboto"/>
+                <a:ea typeface="Roboto"/>
+                <a:cs typeface="Calibri"/>
+                <a:sym typeface="Roboto"/>
+              </a:rPr>
+              <a:t>]</a:t>
+            </a:r>
+            <a:r>
+              <a:rPr lang="en-US" sz="2000" b="0" i="0" u="none" strike="noStrike" cap="none" dirty="0">
+                <a:solidFill>
+                  <a:schemeClr val="tx1"/>
+                </a:solidFill>
+                <a:latin typeface="Roboto"/>
+                <a:ea typeface="Roboto"/>
+                <a:cs typeface="Calibri"/>
+                <a:sym typeface="Roboto"/>
+              </a:rPr>
+              <a:t>– </a:t>
+            </a:r>
+            <a:r>
+              <a:rPr lang="ru-RU" sz="2000" b="0" i="0" u="none" strike="noStrike" cap="none" dirty="0">
+                <a:solidFill>
+                  <a:schemeClr val="tx1"/>
+                </a:solidFill>
+                <a:latin typeface="Roboto"/>
+                <a:ea typeface="Roboto"/>
+                <a:cs typeface="Calibri"/>
+                <a:sym typeface="Roboto"/>
+              </a:rPr>
+              <a:t>создание ветки</a:t>
+            </a:r>
+            <a:endParaRPr lang="en-US" sz="2000" b="0" i="0" u="none" strike="noStrike" cap="none" dirty="0">
+              <a:solidFill>
+                <a:schemeClr val="tx1"/>
+              </a:solidFill>
+              <a:latin typeface="Roboto"/>
+              <a:ea typeface="Roboto"/>
+              <a:cs typeface="Calibri"/>
+              <a:sym typeface="Roboto"/>
+            </a:endParaRPr>
+          </a:p>
+          <a:p>
+            <a:pPr marL="0" marR="0" lvl="0" indent="-12700" algn="l" rtl="0">
+              <a:spcBef>
+                <a:spcPts val="0"/>
+              </a:spcBef>
+              <a:spcAft>
+                <a:spcPts val="1200"/>
+              </a:spcAft>
+              <a:buSzPts val="2000"/>
+              <a:buFont typeface="Noto Sans Symbols"/>
+              <a:buChar char="▪"/>
+            </a:pPr>
+            <a:r>
+              <a:rPr lang="en-US" sz="2000" dirty="0">
+                <a:solidFill>
+                  <a:schemeClr val="tx1"/>
+                </a:solidFill>
+                <a:latin typeface="Roboto"/>
+                <a:ea typeface="Roboto"/>
+                <a:cs typeface="Calibri"/>
+                <a:sym typeface="Roboto"/>
+              </a:rPr>
+              <a:t> </a:t>
+            </a:r>
+            <a:r>
+              <a:rPr lang="en-US" sz="2000" b="1" dirty="0">
+                <a:solidFill>
+                  <a:schemeClr val="tx1"/>
+                </a:solidFill>
+                <a:latin typeface="Roboto"/>
+                <a:ea typeface="Roboto"/>
+                <a:cs typeface="Calibri"/>
+                <a:sym typeface="Roboto"/>
+              </a:rPr>
+              <a:t>git checkout [</a:t>
+            </a:r>
+            <a:r>
+              <a:rPr lang="ru-RU" sz="2000" b="1" dirty="0">
+                <a:solidFill>
+                  <a:schemeClr val="tx1"/>
+                </a:solidFill>
+                <a:latin typeface="Roboto"/>
+                <a:ea typeface="Roboto"/>
+                <a:cs typeface="Calibri"/>
+                <a:sym typeface="Roboto"/>
+              </a:rPr>
+              <a:t>имя ветки</a:t>
+            </a:r>
+            <a:r>
+              <a:rPr lang="en-US" sz="2000" b="1" dirty="0">
+                <a:solidFill>
+                  <a:schemeClr val="tx1"/>
+                </a:solidFill>
+                <a:latin typeface="Roboto"/>
+                <a:ea typeface="Roboto"/>
+                <a:cs typeface="Calibri"/>
+                <a:sym typeface="Roboto"/>
+              </a:rPr>
+              <a:t>]</a:t>
+            </a:r>
+            <a:r>
+              <a:rPr lang="ru-RU" sz="2000" b="1" dirty="0">
+                <a:solidFill>
+                  <a:schemeClr val="tx1"/>
+                </a:solidFill>
+                <a:latin typeface="Roboto"/>
+                <a:ea typeface="Roboto"/>
+                <a:cs typeface="Calibri"/>
+                <a:sym typeface="Roboto"/>
+              </a:rPr>
+              <a:t> </a:t>
+            </a:r>
+            <a:r>
+              <a:rPr lang="en-US" sz="2000" dirty="0">
+                <a:solidFill>
+                  <a:schemeClr val="tx1"/>
+                </a:solidFill>
+                <a:latin typeface="Roboto"/>
+                <a:ea typeface="Roboto"/>
+                <a:cs typeface="Calibri"/>
+                <a:sym typeface="Roboto"/>
+              </a:rPr>
+              <a:t>–</a:t>
+            </a:r>
+            <a:r>
+              <a:rPr lang="ru-RU" sz="2000" dirty="0">
+                <a:solidFill>
+                  <a:schemeClr val="tx1"/>
+                </a:solidFill>
+                <a:latin typeface="Roboto"/>
+                <a:ea typeface="Roboto"/>
+                <a:cs typeface="Calibri"/>
+                <a:sym typeface="Roboto"/>
+              </a:rPr>
+              <a:t> перейти на ветку</a:t>
+            </a:r>
+            <a:endParaRPr lang="ru-RU" sz="2000" b="0" i="0" u="none" strike="noStrike" cap="none" dirty="0">
+              <a:solidFill>
+                <a:schemeClr val="tx1"/>
+              </a:solidFill>
+              <a:latin typeface="Roboto"/>
+              <a:ea typeface="Roboto"/>
+              <a:cs typeface="Calibri"/>
+              <a:sym typeface="Roboto"/>
+            </a:endParaRPr>
+          </a:p>
+          <a:p>
+            <a:pPr marL="0" marR="0" lvl="0" indent="-12700" algn="l" rtl="0">
+              <a:spcBef>
+                <a:spcPts val="0"/>
+              </a:spcBef>
+              <a:spcAft>
+                <a:spcPts val="1200"/>
+              </a:spcAft>
+              <a:buSzPts val="2000"/>
+              <a:buFont typeface="Noto Sans Symbols"/>
+              <a:buChar char="▪"/>
+            </a:pPr>
+            <a:r>
+              <a:rPr lang="ru-RU" sz="2000" dirty="0">
+                <a:solidFill>
+                  <a:schemeClr val="tx1"/>
+                </a:solidFill>
+                <a:latin typeface="Roboto"/>
+                <a:ea typeface="Roboto"/>
+                <a:cs typeface="Calibri"/>
+                <a:sym typeface="Roboto"/>
+              </a:rPr>
+              <a:t> </a:t>
+            </a:r>
+            <a:r>
+              <a:rPr lang="en-US" sz="2000" b="1" dirty="0">
+                <a:solidFill>
+                  <a:schemeClr val="tx1"/>
+                </a:solidFill>
+                <a:latin typeface="Roboto"/>
+                <a:ea typeface="Roboto"/>
+                <a:cs typeface="Calibri"/>
+                <a:sym typeface="Roboto"/>
+              </a:rPr>
+              <a:t>git checkout –b [</a:t>
+            </a:r>
+            <a:r>
+              <a:rPr lang="ru-RU" sz="2000" b="1" dirty="0">
+                <a:solidFill>
+                  <a:schemeClr val="tx1"/>
+                </a:solidFill>
+                <a:latin typeface="Roboto"/>
+                <a:ea typeface="Roboto"/>
+                <a:cs typeface="Calibri"/>
+                <a:sym typeface="Roboto"/>
+              </a:rPr>
+              <a:t>имя ветки</a:t>
+            </a:r>
+            <a:r>
+              <a:rPr lang="en-US" sz="2000" b="1" dirty="0">
+                <a:solidFill>
+                  <a:schemeClr val="tx1"/>
+                </a:solidFill>
+                <a:latin typeface="Roboto"/>
+                <a:ea typeface="Roboto"/>
+                <a:cs typeface="Calibri"/>
+                <a:sym typeface="Roboto"/>
+              </a:rPr>
+              <a:t>]</a:t>
+            </a:r>
+            <a:r>
+              <a:rPr lang="ru-RU" sz="2000" dirty="0">
+                <a:solidFill>
+                  <a:schemeClr val="tx1"/>
+                </a:solidFill>
+                <a:latin typeface="Roboto"/>
+                <a:ea typeface="Roboto"/>
+                <a:cs typeface="Calibri"/>
+                <a:sym typeface="Roboto"/>
+              </a:rPr>
+              <a:t>– создать ветку и перейти на нее</a:t>
+            </a:r>
+          </a:p>
+          <a:p>
+            <a:pPr marL="0" marR="0" lvl="0" indent="-12700" algn="l" rtl="0">
+              <a:spcBef>
+                <a:spcPts val="0"/>
+              </a:spcBef>
+              <a:spcAft>
+                <a:spcPts val="1200"/>
+              </a:spcAft>
+              <a:buSzPts val="2000"/>
+              <a:buFont typeface="Noto Sans Symbols"/>
+              <a:buChar char="▪"/>
+            </a:pPr>
+            <a:r>
+              <a:rPr lang="ru-RU" sz="2000" b="0" i="0" u="none" strike="noStrike" cap="none" dirty="0">
+                <a:solidFill>
+                  <a:schemeClr val="tx1"/>
+                </a:solidFill>
+                <a:latin typeface="Roboto"/>
+                <a:ea typeface="Roboto"/>
+                <a:cs typeface="Calibri"/>
+                <a:sym typeface="Roboto"/>
+              </a:rPr>
+              <a:t> </a:t>
+            </a:r>
+            <a:r>
+              <a:rPr lang="en-US" sz="2000" b="1" i="0" u="none" strike="noStrike" cap="none" dirty="0">
+                <a:solidFill>
+                  <a:schemeClr val="tx1"/>
+                </a:solidFill>
+                <a:latin typeface="Roboto"/>
+                <a:ea typeface="Roboto"/>
+                <a:cs typeface="Calibri"/>
+                <a:sym typeface="Roboto"/>
+              </a:rPr>
+              <a:t>git branch –d [</a:t>
+            </a:r>
+            <a:r>
+              <a:rPr lang="ru-RU" sz="2000" b="1" i="0" u="none" strike="noStrike" cap="none" dirty="0">
+                <a:solidFill>
+                  <a:schemeClr val="tx1"/>
+                </a:solidFill>
+                <a:latin typeface="Roboto"/>
+                <a:ea typeface="Roboto"/>
+                <a:cs typeface="Calibri"/>
+                <a:sym typeface="Roboto"/>
+              </a:rPr>
+              <a:t>имя ветки</a:t>
+            </a:r>
+            <a:r>
+              <a:rPr lang="en-US" sz="2000" b="1" i="0" u="none" strike="noStrike" cap="none" dirty="0">
+                <a:solidFill>
+                  <a:schemeClr val="tx1"/>
+                </a:solidFill>
+                <a:latin typeface="Roboto"/>
+                <a:ea typeface="Roboto"/>
+                <a:cs typeface="Calibri"/>
+                <a:sym typeface="Roboto"/>
+              </a:rPr>
+              <a:t>]</a:t>
+            </a:r>
+            <a:r>
+              <a:rPr lang="en-US" sz="2000" b="0" i="0" u="none" strike="noStrike" cap="none" dirty="0">
+                <a:solidFill>
+                  <a:schemeClr val="tx1"/>
+                </a:solidFill>
+                <a:latin typeface="Roboto"/>
+                <a:ea typeface="Roboto"/>
+                <a:cs typeface="Calibri"/>
+                <a:sym typeface="Roboto"/>
+              </a:rPr>
+              <a:t>–</a:t>
+            </a:r>
+            <a:r>
+              <a:rPr lang="ru-RU" sz="2000" b="0" i="0" u="none" strike="noStrike" cap="none" dirty="0">
+                <a:solidFill>
+                  <a:schemeClr val="tx1"/>
+                </a:solidFill>
+                <a:latin typeface="Roboto"/>
+                <a:ea typeface="Roboto"/>
+                <a:cs typeface="Calibri"/>
+                <a:sym typeface="Roboto"/>
+              </a:rPr>
+              <a:t> удалить ветку</a:t>
+            </a:r>
+            <a:endParaRPr lang="en-US" sz="2000" b="0" i="0" u="none" strike="noStrike" cap="none" dirty="0">
+              <a:solidFill>
+                <a:schemeClr val="tx1"/>
+              </a:solidFill>
+              <a:latin typeface="Roboto"/>
+              <a:ea typeface="Roboto"/>
+              <a:cs typeface="Calibri"/>
+              <a:sym typeface="Roboto"/>
+            </a:endParaRPr>
+          </a:p>
+          <a:p>
+            <a:pPr lvl="0" indent="-12700">
+              <a:spcAft>
+                <a:spcPts val="1200"/>
+              </a:spcAft>
+              <a:buSzPts val="2000"/>
+              <a:buFont typeface="Noto Sans Symbols"/>
+              <a:buChar char="▪"/>
+            </a:pPr>
+            <a:r>
+              <a:rPr lang="en-US" sz="2000" dirty="0">
+                <a:solidFill>
+                  <a:schemeClr val="tx1"/>
+                </a:solidFill>
+                <a:latin typeface="Roboto"/>
+                <a:ea typeface="Roboto"/>
+                <a:cs typeface="Calibri"/>
+                <a:sym typeface="Roboto"/>
+              </a:rPr>
+              <a:t> </a:t>
+            </a:r>
+            <a:r>
+              <a:rPr lang="en-US" sz="2000" b="1" dirty="0">
+                <a:solidFill>
+                  <a:schemeClr val="tx1"/>
+                </a:solidFill>
+                <a:latin typeface="Roboto"/>
+                <a:ea typeface="Roboto"/>
+                <a:cs typeface="Calibri"/>
+                <a:sym typeface="Roboto"/>
+              </a:rPr>
+              <a:t>git merge [</a:t>
+            </a:r>
+            <a:r>
+              <a:rPr lang="ru-RU" sz="2000" b="1" dirty="0">
+                <a:solidFill>
+                  <a:schemeClr val="tx1"/>
+                </a:solidFill>
+                <a:latin typeface="Roboto"/>
+                <a:ea typeface="Roboto"/>
+                <a:cs typeface="Calibri"/>
+                <a:sym typeface="Roboto"/>
+              </a:rPr>
+              <a:t>имя ветки</a:t>
+            </a:r>
+            <a:r>
+              <a:rPr lang="en-US" sz="2000" b="1" dirty="0">
+                <a:solidFill>
+                  <a:schemeClr val="tx1"/>
+                </a:solidFill>
+                <a:latin typeface="Roboto"/>
+                <a:ea typeface="Roboto"/>
+                <a:cs typeface="Calibri"/>
+                <a:sym typeface="Roboto"/>
+              </a:rPr>
+              <a:t>]</a:t>
+            </a:r>
+            <a:r>
+              <a:rPr lang="en-US" sz="2000" dirty="0">
+                <a:solidFill>
+                  <a:schemeClr val="tx1"/>
+                </a:solidFill>
+                <a:latin typeface="Roboto"/>
+                <a:ea typeface="Roboto"/>
+                <a:cs typeface="Calibri"/>
+                <a:sym typeface="Roboto"/>
+              </a:rPr>
+              <a:t>–</a:t>
+            </a:r>
+            <a:r>
+              <a:rPr lang="ru-RU" sz="2000" dirty="0">
+                <a:solidFill>
+                  <a:schemeClr val="tx1"/>
+                </a:solidFill>
+                <a:latin typeface="Roboto"/>
+                <a:ea typeface="Roboto"/>
+                <a:cs typeface="Calibri"/>
+                <a:sym typeface="Roboto"/>
+              </a:rPr>
+              <a:t> влить изменения из указаной ветки в текущую</a:t>
+            </a:r>
+          </a:p>
+        </p:txBody>
+      </p:sp>
+    </p:spTree>
+    <p:extLst>
+      <p:ext uri="{BB962C8B-B14F-4D97-AF65-F5344CB8AC3E}">
+        <p14:creationId xmlns:p14="http://schemas.microsoft.com/office/powerpoint/2010/main" val="3491408600"/>
       </p:ext>
     </p:extLst>
   </p:cSld>
